--- a/Fee presentation.pptx
+++ b/Fee presentation.pptx
@@ -133,6 +133,90 @@
 </p:presentation>
 </file>
 
+<file path=ppt/revisionInfo.xml><?xml version="1.0" encoding="utf-8"?>
+<p1510:revInfo xmlns:a="http://schemas.openxmlformats.org/drawingml/2006/main" xmlns:r="http://schemas.openxmlformats.org/officeDocument/2006/relationships" xmlns:p1510="http://schemas.microsoft.com/office/powerpoint/2015/10/main">
+  <p1510:revLst>
+    <p1510:client id="{E4520C43-E7D6-4FC7-A0E9-1D65DA7A86D1}" v="45" dt="2023-05-03T19:51:52.663"/>
+  </p1510:revLst>
+</p1510:revInfo>
+</file>
+
+<file path=ppt/changesInfos/changesInfo1.xml><?xml version="1.0" encoding="utf-8"?>
+<pc:chgInfo xmlns:a="http://schemas.openxmlformats.org/drawingml/2006/main" xmlns:r="http://schemas.openxmlformats.org/officeDocument/2006/relationships" xmlns:ac="http://schemas.microsoft.com/office/drawing/2013/main/command" xmlns:pc="http://schemas.microsoft.com/office/powerpoint/2013/main/command">
+  <pc:docChgLst>
+    <pc:chgData name="Shunsuke ‎‎‎‎‎" userId="b513fa1e-2d0e-4785-9341-908e242f47b9" providerId="ADAL" clId="{E4520C43-E7D6-4FC7-A0E9-1D65DA7A86D1}"/>
+    <pc:docChg chg="undo custSel modSld">
+      <pc:chgData name="Shunsuke ‎‎‎‎‎" userId="b513fa1e-2d0e-4785-9341-908e242f47b9" providerId="ADAL" clId="{E4520C43-E7D6-4FC7-A0E9-1D65DA7A86D1}" dt="2023-05-03T19:52:09.841" v="51" actId="1035"/>
+      <pc:docMkLst>
+        <pc:docMk/>
+      </pc:docMkLst>
+      <pc:sldChg chg="addSp delSp modSp mod">
+        <pc:chgData name="Shunsuke ‎‎‎‎‎" userId="b513fa1e-2d0e-4785-9341-908e242f47b9" providerId="ADAL" clId="{E4520C43-E7D6-4FC7-A0E9-1D65DA7A86D1}" dt="2023-05-03T19:52:09.841" v="51" actId="1035"/>
+        <pc:sldMkLst>
+          <pc:docMk/>
+          <pc:sldMk cId="0" sldId="265"/>
+        </pc:sldMkLst>
+        <pc:picChg chg="add mod">
+          <ac:chgData name="Shunsuke ‎‎‎‎‎" userId="b513fa1e-2d0e-4785-9341-908e242f47b9" providerId="ADAL" clId="{E4520C43-E7D6-4FC7-A0E9-1D65DA7A86D1}" dt="2023-05-03T19:52:09.841" v="51" actId="1035"/>
+          <ac:picMkLst>
+            <pc:docMk/>
+            <pc:sldMk cId="0" sldId="265"/>
+            <ac:picMk id="2" creationId="{5FD1BD78-A8CE-6C5B-65C9-4682C0FFBC43}"/>
+          </ac:picMkLst>
+        </pc:picChg>
+        <pc:picChg chg="add del mod">
+          <ac:chgData name="Shunsuke ‎‎‎‎‎" userId="b513fa1e-2d0e-4785-9341-908e242f47b9" providerId="ADAL" clId="{E4520C43-E7D6-4FC7-A0E9-1D65DA7A86D1}" dt="2023-05-03T19:51:05.700" v="47" actId="478"/>
+          <ac:picMkLst>
+            <pc:docMk/>
+            <pc:sldMk cId="0" sldId="265"/>
+            <ac:picMk id="1026" creationId="{5A27EF1E-7E6A-55FA-A424-4ACAE91EC827}"/>
+          </ac:picMkLst>
+        </pc:picChg>
+        <pc:picChg chg="del mod">
+          <ac:chgData name="Shunsuke ‎‎‎‎‎" userId="b513fa1e-2d0e-4785-9341-908e242f47b9" providerId="ADAL" clId="{E4520C43-E7D6-4FC7-A0E9-1D65DA7A86D1}" dt="2023-05-03T19:41:15.114" v="1" actId="478"/>
+          <ac:picMkLst>
+            <pc:docMk/>
+            <pc:sldMk cId="0" sldId="265"/>
+            <ac:picMk id="1034" creationId="{00000000-0000-0000-0000-000000000000}"/>
+          </ac:picMkLst>
+        </pc:picChg>
+      </pc:sldChg>
+      <pc:sldChg chg="addSp delSp modSp mod">
+        <pc:chgData name="Shunsuke ‎‎‎‎‎" userId="b513fa1e-2d0e-4785-9341-908e242f47b9" providerId="ADAL" clId="{E4520C43-E7D6-4FC7-A0E9-1D65DA7A86D1}" dt="2023-05-03T19:50:59.297" v="42"/>
+        <pc:sldMkLst>
+          <pc:docMk/>
+          <pc:sldMk cId="0" sldId="267"/>
+        </pc:sldMkLst>
+        <pc:spChg chg="mod">
+          <ac:chgData name="Shunsuke ‎‎‎‎‎" userId="b513fa1e-2d0e-4785-9341-908e242f47b9" providerId="ADAL" clId="{E4520C43-E7D6-4FC7-A0E9-1D65DA7A86D1}" dt="2023-05-03T19:50:56.572" v="37" actId="1076"/>
+          <ac:spMkLst>
+            <pc:docMk/>
+            <pc:sldMk cId="0" sldId="267"/>
+            <ac:spMk id="3" creationId="{00000000-0000-0000-0000-000000000000}"/>
+          </ac:spMkLst>
+        </pc:spChg>
+        <pc:spChg chg="add del">
+          <ac:chgData name="Shunsuke ‎‎‎‎‎" userId="b513fa1e-2d0e-4785-9341-908e242f47b9" providerId="ADAL" clId="{E4520C43-E7D6-4FC7-A0E9-1D65DA7A86D1}" dt="2023-05-03T19:50:59.297" v="42"/>
+          <ac:spMkLst>
+            <pc:docMk/>
+            <pc:sldMk cId="0" sldId="267"/>
+            <ac:spMk id="4" creationId="{598E7305-505E-6302-FE30-8C9C39D004EC}"/>
+          </ac:spMkLst>
+        </pc:spChg>
+        <pc:picChg chg="add del mod">
+          <ac:chgData name="Shunsuke ‎‎‎‎‎" userId="b513fa1e-2d0e-4785-9341-908e242f47b9" providerId="ADAL" clId="{E4520C43-E7D6-4FC7-A0E9-1D65DA7A86D1}" dt="2023-05-03T19:50:58.789" v="41"/>
+          <ac:picMkLst>
+            <pc:docMk/>
+            <pc:sldMk cId="0" sldId="267"/>
+            <ac:picMk id="2052" creationId="{F9BEC253-7D2A-28D9-D0D4-059EB75B6E99}"/>
+          </ac:picMkLst>
+        </pc:picChg>
+      </pc:sldChg>
+    </pc:docChg>
+  </pc:docChgLst>
+</pc:chgInfo>
+</file>
+
 <file path=ppt/slideLayouts/slideLayout1.xml><?xml version="1.0" encoding="utf-8"?>
 <p:sldLayout xmlns:a="http://schemas.openxmlformats.org/drawingml/2006/main" xmlns:r="http://schemas.openxmlformats.org/officeDocument/2006/relationships" xmlns:p="http://schemas.openxmlformats.org/presentationml/2006/main" type="title" preserve="1">
   <p:cSld name="Title Slide">
@@ -326,7 +410,7 @@
             <a:fld id="{1D5BB0C6-8FC1-47C0-B737-D54E21B5B868}" type="datetimeFigureOut">
               <a:rPr lang="en-US" smtClean="0"/>
               <a:pPr/>
-              <a:t>5/3/2023</a:t>
+              <a:t>5/4/2023</a:t>
             </a:fld>
             <a:endParaRPr lang="en-US"/>
           </a:p>
@@ -743,7 +827,7 @@
             <a:fld id="{1D5BB0C6-8FC1-47C0-B737-D54E21B5B868}" type="datetimeFigureOut">
               <a:rPr lang="en-US" smtClean="0"/>
               <a:pPr/>
-              <a:t>5/3/2023</a:t>
+              <a:t>5/4/2023</a:t>
             </a:fld>
             <a:endParaRPr lang="en-US"/>
           </a:p>
@@ -846,7 +930,7 @@
             <a:fld id="{1D5BB0C6-8FC1-47C0-B737-D54E21B5B868}" type="datetimeFigureOut">
               <a:rPr lang="en-US" smtClean="0"/>
               <a:pPr/>
-              <a:t>5/3/2023</a:t>
+              <a:t>5/4/2023</a:t>
             </a:fld>
             <a:endParaRPr lang="en-US"/>
           </a:p>
@@ -1083,7 +1167,7 @@
             <a:fld id="{1D5BB0C6-8FC1-47C0-B737-D54E21B5B868}" type="datetimeFigureOut">
               <a:rPr lang="en-US" smtClean="0"/>
               <a:pPr/>
-              <a:t>5/3/2023</a:t>
+              <a:t>5/4/2023</a:t>
             </a:fld>
             <a:endParaRPr lang="en-US"/>
           </a:p>
@@ -2519,7 +2603,13 @@
       </p:sp>
       <p:pic>
         <p:nvPicPr>
-          <p:cNvPr id="1034" name="Picture 10" descr="Thank you cards Images | Free Vectors, Stock Photos &amp; PSD"/>
+          <p:cNvPr id="2" name="Picture 10" descr="Thank you cards Images | Free Vectors, Stock Photos &amp; PSD">
+            <a:extLst>
+              <a:ext uri="{FF2B5EF4-FFF2-40B4-BE49-F238E27FC236}">
+                <a16:creationId xmlns:a16="http://schemas.microsoft.com/office/drawing/2014/main" id="{5FD1BD78-A8CE-6C5B-65C9-4682C0FFBC43}"/>
+              </a:ext>
+            </a:extLst>
+          </p:cNvPr>
           <p:cNvPicPr>
             <a:picLocks noChangeAspect="1" noChangeArrowheads="1"/>
           </p:cNvPicPr>
@@ -2534,7 +2624,7 @@
         </p:blipFill>
         <p:spPr bwMode="auto">
           <a:xfrm>
-            <a:off x="0" y="857232"/>
+            <a:off x="0" y="836712"/>
             <a:ext cx="9144000" cy="5786478"/>
           </a:xfrm>
           <a:prstGeom prst="rect">

--- a/Fee presentation.pptx
+++ b/Fee presentation.pptx
@@ -13,9 +13,8 @@
     <p:sldId id="274" r:id="rId7"/>
     <p:sldId id="275" r:id="rId8"/>
     <p:sldId id="278" r:id="rId9"/>
-    <p:sldId id="280" r:id="rId10"/>
-    <p:sldId id="279" r:id="rId11"/>
-    <p:sldId id="265" r:id="rId12"/>
+    <p:sldId id="279" r:id="rId10"/>
+    <p:sldId id="265" r:id="rId11"/>
   </p:sldIdLst>
   <p:sldSz cx="9144000" cy="6858000" type="screen4x3"/>
   <p:notesSz cx="6858000" cy="9144000"/>
@@ -133,16 +132,70 @@
 </p:presentation>
 </file>
 
-<file path=ppt/revisionInfo.xml><?xml version="1.0" encoding="utf-8"?>
-<p1510:revInfo xmlns:a="http://schemas.openxmlformats.org/drawingml/2006/main" xmlns:r="http://schemas.openxmlformats.org/officeDocument/2006/relationships" xmlns:p1510="http://schemas.microsoft.com/office/powerpoint/2015/10/main">
-  <p1510:revLst>
-    <p1510:client id="{E4520C43-E7D6-4FC7-A0E9-1D65DA7A86D1}" v="45" dt="2023-05-03T19:51:52.663"/>
-  </p1510:revLst>
-</p1510:revInfo>
-</file>
-
 <file path=ppt/changesInfos/changesInfo1.xml><?xml version="1.0" encoding="utf-8"?>
 <pc:chgInfo xmlns:a="http://schemas.openxmlformats.org/drawingml/2006/main" xmlns:r="http://schemas.openxmlformats.org/officeDocument/2006/relationships" xmlns:ac="http://schemas.microsoft.com/office/drawing/2013/main/command" xmlns:pc="http://schemas.microsoft.com/office/powerpoint/2013/main/command">
+  <pc:docChgLst>
+    <pc:chgData name="Shunsuke ‎‎‎‎‎" userId="b513fa1e-2d0e-4785-9341-908e242f47b9" providerId="ADAL" clId="{D5AA6005-F808-4DD6-9AFA-C5AAC3B3D0CE}"/>
+    <pc:docChg chg="custSel delSld modSld">
+      <pc:chgData name="Shunsuke ‎‎‎‎‎" userId="b513fa1e-2d0e-4785-9341-908e242f47b9" providerId="ADAL" clId="{D5AA6005-F808-4DD6-9AFA-C5AAC3B3D0CE}" dt="2023-05-22T18:24:26.739" v="66" actId="20577"/>
+      <pc:docMkLst>
+        <pc:docMk/>
+      </pc:docMkLst>
+      <pc:sldChg chg="delSp modSp mod">
+        <pc:chgData name="Shunsuke ‎‎‎‎‎" userId="b513fa1e-2d0e-4785-9341-908e242f47b9" providerId="ADAL" clId="{D5AA6005-F808-4DD6-9AFA-C5AAC3B3D0CE}" dt="2023-05-22T18:24:04.706" v="42" actId="478"/>
+        <pc:sldMkLst>
+          <pc:docMk/>
+          <pc:sldMk cId="0" sldId="272"/>
+        </pc:sldMkLst>
+        <pc:spChg chg="mod">
+          <ac:chgData name="Shunsuke ‎‎‎‎‎" userId="b513fa1e-2d0e-4785-9341-908e242f47b9" providerId="ADAL" clId="{D5AA6005-F808-4DD6-9AFA-C5AAC3B3D0CE}" dt="2023-05-22T18:23:56.407" v="40" actId="20577"/>
+          <ac:spMkLst>
+            <pc:docMk/>
+            <pc:sldMk cId="0" sldId="272"/>
+            <ac:spMk id="3" creationId="{00000000-0000-0000-0000-000000000000}"/>
+          </ac:spMkLst>
+        </pc:spChg>
+        <pc:spChg chg="del">
+          <ac:chgData name="Shunsuke ‎‎‎‎‎" userId="b513fa1e-2d0e-4785-9341-908e242f47b9" providerId="ADAL" clId="{D5AA6005-F808-4DD6-9AFA-C5AAC3B3D0CE}" dt="2023-05-22T18:24:02.101" v="41" actId="478"/>
+          <ac:spMkLst>
+            <pc:docMk/>
+            <pc:sldMk cId="0" sldId="272"/>
+            <ac:spMk id="7" creationId="{C8E2A3F3-754F-4CFB-AC84-70AB25D0FDEF}"/>
+          </ac:spMkLst>
+        </pc:spChg>
+        <pc:spChg chg="del">
+          <ac:chgData name="Shunsuke ‎‎‎‎‎" userId="b513fa1e-2d0e-4785-9341-908e242f47b9" providerId="ADAL" clId="{D5AA6005-F808-4DD6-9AFA-C5AAC3B3D0CE}" dt="2023-05-22T18:24:04.706" v="42" actId="478"/>
+          <ac:spMkLst>
+            <pc:docMk/>
+            <pc:sldMk cId="0" sldId="272"/>
+            <ac:spMk id="8" creationId="{E00116D1-C860-4D51-8137-09F94BF3CA1C}"/>
+          </ac:spMkLst>
+        </pc:spChg>
+      </pc:sldChg>
+      <pc:sldChg chg="modSp mod">
+        <pc:chgData name="Shunsuke ‎‎‎‎‎" userId="b513fa1e-2d0e-4785-9341-908e242f47b9" providerId="ADAL" clId="{D5AA6005-F808-4DD6-9AFA-C5AAC3B3D0CE}" dt="2023-05-22T18:24:26.739" v="66" actId="20577"/>
+        <pc:sldMkLst>
+          <pc:docMk/>
+          <pc:sldMk cId="0" sldId="275"/>
+        </pc:sldMkLst>
+        <pc:spChg chg="mod">
+          <ac:chgData name="Shunsuke ‎‎‎‎‎" userId="b513fa1e-2d0e-4785-9341-908e242f47b9" providerId="ADAL" clId="{D5AA6005-F808-4DD6-9AFA-C5AAC3B3D0CE}" dt="2023-05-22T18:24:26.739" v="66" actId="20577"/>
+          <ac:spMkLst>
+            <pc:docMk/>
+            <pc:sldMk cId="0" sldId="275"/>
+            <ac:spMk id="7" creationId="{8B57E435-A87B-422E-9A18-E151E0D54DA1}"/>
+          </ac:spMkLst>
+        </pc:spChg>
+      </pc:sldChg>
+      <pc:sldChg chg="del">
+        <pc:chgData name="Shunsuke ‎‎‎‎‎" userId="b513fa1e-2d0e-4785-9341-908e242f47b9" providerId="ADAL" clId="{D5AA6005-F808-4DD6-9AFA-C5AAC3B3D0CE}" dt="2023-05-22T18:22:09.323" v="0" actId="2696"/>
+        <pc:sldMkLst>
+          <pc:docMk/>
+          <pc:sldMk cId="3569010666" sldId="280"/>
+        </pc:sldMkLst>
+      </pc:sldChg>
+    </pc:docChg>
+  </pc:docChgLst>
   <pc:docChgLst>
     <pc:chgData name="Shunsuke ‎‎‎‎‎" userId="b513fa1e-2d0e-4785-9341-908e242f47b9" providerId="ADAL" clId="{E4520C43-E7D6-4FC7-A0E9-1D65DA7A86D1}"/>
     <pc:docChg chg="undo custSel modSld">
@@ -410,7 +463,7 @@
             <a:fld id="{1D5BB0C6-8FC1-47C0-B737-D54E21B5B868}" type="datetimeFigureOut">
               <a:rPr lang="en-US" smtClean="0"/>
               <a:pPr/>
-              <a:t>5/4/2023</a:t>
+              <a:t>5/22/2023</a:t>
             </a:fld>
             <a:endParaRPr lang="en-US"/>
           </a:p>
@@ -827,7 +880,7 @@
             <a:fld id="{1D5BB0C6-8FC1-47C0-B737-D54E21B5B868}" type="datetimeFigureOut">
               <a:rPr lang="en-US" smtClean="0"/>
               <a:pPr/>
-              <a:t>5/4/2023</a:t>
+              <a:t>5/22/2023</a:t>
             </a:fld>
             <a:endParaRPr lang="en-US"/>
           </a:p>
@@ -930,7 +983,7 @@
             <a:fld id="{1D5BB0C6-8FC1-47C0-B737-D54E21B5B868}" type="datetimeFigureOut">
               <a:rPr lang="en-US" smtClean="0"/>
               <a:pPr/>
-              <a:t>5/4/2023</a:t>
+              <a:t>5/22/2023</a:t>
             </a:fld>
             <a:endParaRPr lang="en-US"/>
           </a:p>
@@ -1167,7 +1220,7 @@
             <a:fld id="{1D5BB0C6-8FC1-47C0-B737-D54E21B5B868}" type="datetimeFigureOut">
               <a:rPr lang="en-US" smtClean="0"/>
               <a:pPr/>
-              <a:t>5/4/2023</a:t>
+              <a:t>5/22/2023</a:t>
             </a:fld>
             <a:endParaRPr lang="en-US"/>
           </a:p>
@@ -2266,253 +2319,6 @@
       </p:grpSpPr>
       <p:sp>
         <p:nvSpPr>
-          <p:cNvPr id="2" name="TextBox 1"/>
-          <p:cNvSpPr txBox="1"/>
-          <p:nvPr/>
-        </p:nvSpPr>
-        <p:spPr>
-          <a:xfrm>
-            <a:off x="399108" y="116632"/>
-            <a:ext cx="5400600" cy="584775"/>
-          </a:xfrm>
-          <a:prstGeom prst="rect">
-            <a:avLst/>
-          </a:prstGeom>
-          <a:noFill/>
-        </p:spPr>
-        <p:txBody>
-          <a:bodyPr wrap="square" rtlCol="0">
-            <a:spAutoFit/>
-          </a:bodyPr>
-          <a:lstStyle/>
-          <a:p>
-            <a:r>
-              <a:rPr lang="en-US" sz="3200" dirty="0">
-                <a:latin typeface="Times New Roman" pitchFamily="18" charset="0"/>
-                <a:cs typeface="Times New Roman" pitchFamily="18" charset="0"/>
-              </a:rPr>
-              <a:t>References/Links used</a:t>
-            </a:r>
-          </a:p>
-        </p:txBody>
-      </p:sp>
-      <p:sp>
-        <p:nvSpPr>
-          <p:cNvPr id="4" name="TextBox 3">
-            <a:extLst>
-              <a:ext uri="{FF2B5EF4-FFF2-40B4-BE49-F238E27FC236}">
-                <a16:creationId xmlns:a16="http://schemas.microsoft.com/office/drawing/2014/main" id="{0A61EA2A-9C16-4F6F-8B7B-17B585ABF9F2}"/>
-              </a:ext>
-            </a:extLst>
-          </p:cNvPr>
-          <p:cNvSpPr txBox="1"/>
-          <p:nvPr/>
-        </p:nvSpPr>
-        <p:spPr>
-          <a:xfrm>
-            <a:off x="4211960" y="6420417"/>
-            <a:ext cx="1152128" cy="261610"/>
-          </a:xfrm>
-          <a:prstGeom prst="rect">
-            <a:avLst/>
-          </a:prstGeom>
-          <a:noFill/>
-        </p:spPr>
-        <p:txBody>
-          <a:bodyPr wrap="square" rtlCol="0">
-            <a:spAutoFit/>
-          </a:bodyPr>
-          <a:lstStyle/>
-          <a:p>
-            <a:r>
-              <a:rPr lang="en-US" sz="1100" dirty="0">
-                <a:latin typeface="Times New Roman" panose="02020603050405020304" pitchFamily="18" charset="0"/>
-                <a:cs typeface="Times New Roman" panose="02020603050405020304" pitchFamily="18" charset="0"/>
-              </a:rPr>
-              <a:t>(7)</a:t>
-            </a:r>
-            <a:endParaRPr lang="en-IN" sz="1100" dirty="0">
-              <a:latin typeface="Times New Roman" panose="02020603050405020304" pitchFamily="18" charset="0"/>
-              <a:cs typeface="Times New Roman" panose="02020603050405020304" pitchFamily="18" charset="0"/>
-            </a:endParaRPr>
-          </a:p>
-        </p:txBody>
-      </p:sp>
-      <p:sp>
-        <p:nvSpPr>
-          <p:cNvPr id="5" name="TextBox 4">
-            <a:extLst>
-              <a:ext uri="{FF2B5EF4-FFF2-40B4-BE49-F238E27FC236}">
-                <a16:creationId xmlns:a16="http://schemas.microsoft.com/office/drawing/2014/main" id="{9CB7CBEC-BF4D-4E21-8982-C2E25AEE9BA8}"/>
-              </a:ext>
-            </a:extLst>
-          </p:cNvPr>
-          <p:cNvSpPr txBox="1"/>
-          <p:nvPr/>
-        </p:nvSpPr>
-        <p:spPr>
-          <a:xfrm>
-            <a:off x="397372" y="2086353"/>
-            <a:ext cx="7845300" cy="4247317"/>
-          </a:xfrm>
-          <a:prstGeom prst="rect">
-            <a:avLst/>
-          </a:prstGeom>
-          <a:noFill/>
-        </p:spPr>
-        <p:txBody>
-          <a:bodyPr wrap="square" rtlCol="0">
-            <a:spAutoFit/>
-          </a:bodyPr>
-          <a:lstStyle/>
-          <a:p>
-            <a:pPr marL="342900" indent="-342900">
-              <a:buFont typeface="Arial" panose="020B0604020202020204" pitchFamily="34" charset="0"/>
-              <a:buChar char="•"/>
-            </a:pPr>
-            <a:r>
-              <a:rPr lang="en-IN" dirty="0">
-                <a:hlinkClick r:id="rId2"/>
-              </a:rPr>
-              <a:t>https://en.wikipedia.org/wiki/List_of_awards_and_honours_received_by_A._P._J._Abdul_Kalam</a:t>
-            </a:r>
-            <a:endParaRPr lang="en-IN" dirty="0"/>
-          </a:p>
-          <a:p>
-            <a:pPr marL="342900" indent="-342900">
-              <a:buFont typeface="Arial" panose="020B0604020202020204" pitchFamily="34" charset="0"/>
-              <a:buChar char="•"/>
-            </a:pPr>
-            <a:endParaRPr lang="en-IN" dirty="0"/>
-          </a:p>
-          <a:p>
-            <a:pPr marL="342900" indent="-342900">
-              <a:buFont typeface="Arial" panose="020B0604020202020204" pitchFamily="34" charset="0"/>
-              <a:buChar char="•"/>
-            </a:pPr>
-            <a:r>
-              <a:rPr lang="en-IN" dirty="0">
-                <a:hlinkClick r:id="rId3"/>
-              </a:rPr>
-              <a:t>https://en.wikipedia.org/wiki/A._P._J._Abdul_Kalam</a:t>
-            </a:r>
-            <a:endParaRPr lang="en-IN" dirty="0"/>
-          </a:p>
-          <a:p>
-            <a:pPr marL="342900" indent="-342900">
-              <a:buFont typeface="Arial" panose="020B0604020202020204" pitchFamily="34" charset="0"/>
-              <a:buChar char="•"/>
-            </a:pPr>
-            <a:endParaRPr lang="en-IN" dirty="0"/>
-          </a:p>
-          <a:p>
-            <a:pPr marL="342900" indent="-342900">
-              <a:buFont typeface="Arial" panose="020B0604020202020204" pitchFamily="34" charset="0"/>
-              <a:buChar char="•"/>
-            </a:pPr>
-            <a:r>
-              <a:rPr lang="en-IN" dirty="0">
-                <a:hlinkClick r:id="rId4"/>
-              </a:rPr>
-              <a:t>https://learn.culturalindia.net/a-p-j-abdul-kalam.html</a:t>
-            </a:r>
-            <a:endParaRPr lang="en-IN" dirty="0"/>
-          </a:p>
-          <a:p>
-            <a:pPr marL="342900" indent="-342900">
-              <a:buFont typeface="Arial" panose="020B0604020202020204" pitchFamily="34" charset="0"/>
-              <a:buChar char="•"/>
-            </a:pPr>
-            <a:endParaRPr lang="en-IN" dirty="0"/>
-          </a:p>
-          <a:p>
-            <a:pPr marL="342900" indent="-342900">
-              <a:buFont typeface="Arial" panose="020B0604020202020204" pitchFamily="34" charset="0"/>
-              <a:buChar char="•"/>
-            </a:pPr>
-            <a:r>
-              <a:rPr lang="en-IN" dirty="0">
-                <a:hlinkClick r:id="rId5"/>
-              </a:rPr>
-              <a:t>https://www.britannica.com/biography/A-P-J-Abdul-Kalam</a:t>
-            </a:r>
-            <a:endParaRPr lang="en-IN" dirty="0"/>
-          </a:p>
-          <a:p>
-            <a:pPr marL="342900" indent="-342900">
-              <a:buFont typeface="Arial" panose="020B0604020202020204" pitchFamily="34" charset="0"/>
-              <a:buChar char="•"/>
-            </a:pPr>
-            <a:endParaRPr lang="en-IN" dirty="0"/>
-          </a:p>
-          <a:p>
-            <a:pPr marL="342900" indent="-342900">
-              <a:buFont typeface="Arial" panose="020B0604020202020204" pitchFamily="34" charset="0"/>
-              <a:buChar char="•"/>
-            </a:pPr>
-            <a:r>
-              <a:rPr lang="en-IN" dirty="0">
-                <a:hlinkClick r:id="rId6"/>
-              </a:rPr>
-              <a:t>https://www.thefamouspeople.com/profiles/a-p-j-abdul-kalam-590.php</a:t>
-            </a:r>
-            <a:endParaRPr lang="en-IN" dirty="0"/>
-          </a:p>
-          <a:p>
-            <a:endParaRPr lang="en-IN" dirty="0"/>
-          </a:p>
-          <a:p>
-            <a:endParaRPr lang="en-IN" dirty="0"/>
-          </a:p>
-          <a:p>
-            <a:endParaRPr lang="en-IN" dirty="0"/>
-          </a:p>
-          <a:p>
-            <a:pPr marL="342900" indent="-342900">
-              <a:buFont typeface="Arial" panose="020B0604020202020204" pitchFamily="34" charset="0"/>
-              <a:buChar char="•"/>
-            </a:pPr>
-            <a:endParaRPr lang="en-IN" dirty="0"/>
-          </a:p>
-          <a:p>
-            <a:pPr marL="342900" indent="-342900">
-              <a:buFont typeface="Arial" panose="020B0604020202020204" pitchFamily="34" charset="0"/>
-              <a:buChar char="•"/>
-            </a:pPr>
-            <a:endParaRPr lang="en-IN" dirty="0"/>
-          </a:p>
-        </p:txBody>
-      </p:sp>
-    </p:spTree>
-  </p:cSld>
-  <p:clrMapOvr>
-    <a:masterClrMapping/>
-  </p:clrMapOvr>
-  <p:transition advTm="4000">
-    <p:cut/>
-  </p:transition>
-</p:sld>
-</file>
-
-<file path=ppt/slides/slide11.xml><?xml version="1.0" encoding="utf-8"?>
-<p:sld xmlns:a="http://schemas.openxmlformats.org/drawingml/2006/main" xmlns:r="http://schemas.openxmlformats.org/officeDocument/2006/relationships" xmlns:p="http://schemas.openxmlformats.org/presentationml/2006/main">
-  <p:cSld>
-    <p:spTree>
-      <p:nvGrpSpPr>
-        <p:cNvPr id="1" name=""/>
-        <p:cNvGrpSpPr/>
-        <p:nvPr/>
-      </p:nvGrpSpPr>
-      <p:grpSpPr>
-        <a:xfrm>
-          <a:off x="0" y="0"/>
-          <a:ext cx="0" cy="0"/>
-          <a:chOff x="0" y="0"/>
-          <a:chExt cx="0" cy="0"/>
-        </a:xfrm>
-      </p:grpSpPr>
-      <p:sp>
-        <p:nvSpPr>
           <p:cNvPr id="1028" name="AutoShape 4" descr="Download The Best Thank You Slide For PPT Presentation"/>
           <p:cNvSpPr>
             <a:spLocks noChangeAspect="1" noChangeArrowheads="1"/>
@@ -3318,8 +3124,8 @@
         </p:nvSpPr>
         <p:spPr>
           <a:xfrm>
-            <a:off x="467544" y="1340768"/>
-            <a:ext cx="8136904" cy="5909310"/>
+            <a:off x="323528" y="764704"/>
+            <a:ext cx="8136904" cy="7294305"/>
           </a:xfrm>
           <a:prstGeom prst="rect">
             <a:avLst/>
@@ -3437,7 +3243,21 @@
                 <a:latin typeface="Times New Roman" pitchFamily="18" charset="0"/>
                 <a:cs typeface="Times New Roman" pitchFamily="18" charset="0"/>
               </a:rPr>
-              <a:t>Built using HTML and CSS HTML (Hyper Text Markup Language) is used to create the structure and content of web page. CSS (Cascading Style Sheets) is a style sheet language used to describe the presentation and layout of web pages.</a:t>
+              <a:t>Built using HTML, CSS </a:t>
+            </a:r>
+            <a:r>
+              <a:rPr lang="en-US" dirty="0" err="1">
+                <a:latin typeface="Times New Roman" pitchFamily="18" charset="0"/>
+                <a:cs typeface="Times New Roman" pitchFamily="18" charset="0"/>
+              </a:rPr>
+              <a:t>amd</a:t>
+            </a:r>
+            <a:r>
+              <a:rPr lang="en-US" dirty="0">
+                <a:latin typeface="Times New Roman" pitchFamily="18" charset="0"/>
+                <a:cs typeface="Times New Roman" pitchFamily="18" charset="0"/>
+              </a:rPr>
+              <a:t> Java-script. Html (Hyper Text Markup Language) is used to create the structure and content of web page. CSS (Cascading Style Sheets) is a style sheet language used to describe the presentation and layout of web pages.</a:t>
             </a:r>
           </a:p>
           <a:p>
@@ -3487,6 +3307,19 @@
             </a:r>
           </a:p>
           <a:p>
+            <a:pPr marL="1200150" lvl="2" indent="-285750">
+              <a:buFont typeface="Arial" panose="020B0604020202020204" pitchFamily="34" charset="0"/>
+              <a:buChar char="•"/>
+            </a:pPr>
+            <a:r>
+              <a:rPr lang="en-US" dirty="0">
+                <a:latin typeface="Times New Roman" pitchFamily="18" charset="0"/>
+                <a:cs typeface="Times New Roman" pitchFamily="18" charset="0"/>
+              </a:rPr>
+              <a:t>•	JavaScript is a light-weight object-oriented programming language that is used by several websites for scripting the webpages. It is an interpreted, full-fledged programming language. JavaScript enables dynamic interactivity on websites when it is applied to an HTML</a:t>
+            </a:r>
+          </a:p>
+          <a:p>
             <a:r>
               <a:rPr lang="en-US" dirty="0">
                 <a:latin typeface="Times New Roman" pitchFamily="18" charset="0"/>
@@ -3515,98 +3348,6 @@
               </a:rPr>
               <a:t>	</a:t>
             </a:r>
-          </a:p>
-        </p:txBody>
-      </p:sp>
-      <p:sp>
-        <p:nvSpPr>
-          <p:cNvPr id="7" name="Arrow: Right 6">
-            <a:extLst>
-              <a:ext uri="{FF2B5EF4-FFF2-40B4-BE49-F238E27FC236}">
-                <a16:creationId xmlns:a16="http://schemas.microsoft.com/office/drawing/2014/main" id="{C8E2A3F3-754F-4CFB-AC84-70AB25D0FDEF}"/>
-              </a:ext>
-            </a:extLst>
-          </p:cNvPr>
-          <p:cNvSpPr/>
-          <p:nvPr/>
-        </p:nvSpPr>
-        <p:spPr>
-          <a:xfrm>
-            <a:off x="4841292" y="2060848"/>
-            <a:ext cx="216024" cy="72008"/>
-          </a:xfrm>
-          <a:prstGeom prst="rightArrow">
-            <a:avLst/>
-          </a:prstGeom>
-        </p:spPr>
-        <p:style>
-          <a:lnRef idx="2">
-            <a:schemeClr val="accent1">
-              <a:shade val="50000"/>
-            </a:schemeClr>
-          </a:lnRef>
-          <a:fillRef idx="1">
-            <a:schemeClr val="accent1"/>
-          </a:fillRef>
-          <a:effectRef idx="0">
-            <a:schemeClr val="accent1"/>
-          </a:effectRef>
-          <a:fontRef idx="minor">
-            <a:schemeClr val="lt1"/>
-          </a:fontRef>
-        </p:style>
-        <p:txBody>
-          <a:bodyPr rtlCol="0" anchor="ctr"/>
-          <a:lstStyle/>
-          <a:p>
-            <a:pPr algn="ctr"/>
-            <a:endParaRPr lang="en-IN"/>
-          </a:p>
-        </p:txBody>
-      </p:sp>
-      <p:sp>
-        <p:nvSpPr>
-          <p:cNvPr id="8" name="Arrow: Right 7">
-            <a:extLst>
-              <a:ext uri="{FF2B5EF4-FFF2-40B4-BE49-F238E27FC236}">
-                <a16:creationId xmlns:a16="http://schemas.microsoft.com/office/drawing/2014/main" id="{E00116D1-C860-4D51-8137-09F94BF3CA1C}"/>
-              </a:ext>
-            </a:extLst>
-          </p:cNvPr>
-          <p:cNvSpPr/>
-          <p:nvPr/>
-        </p:nvSpPr>
-        <p:spPr>
-          <a:xfrm>
-            <a:off x="2051720" y="3435536"/>
-            <a:ext cx="216024" cy="72008"/>
-          </a:xfrm>
-          <a:prstGeom prst="rightArrow">
-            <a:avLst/>
-          </a:prstGeom>
-        </p:spPr>
-        <p:style>
-          <a:lnRef idx="2">
-            <a:schemeClr val="accent1">
-              <a:shade val="50000"/>
-            </a:schemeClr>
-          </a:lnRef>
-          <a:fillRef idx="1">
-            <a:schemeClr val="accent1"/>
-          </a:fillRef>
-          <a:effectRef idx="0">
-            <a:schemeClr val="accent1"/>
-          </a:effectRef>
-          <a:fontRef idx="minor">
-            <a:schemeClr val="lt1"/>
-          </a:fontRef>
-        </p:style>
-        <p:txBody>
-          <a:bodyPr rtlCol="0" anchor="ctr"/>
-          <a:lstStyle/>
-          <a:p>
-            <a:pPr algn="ctr"/>
-            <a:endParaRPr lang="en-IN"/>
           </a:p>
         </p:txBody>
       </p:sp>
@@ -4042,7 +3783,21 @@
                 <a:latin typeface="Times New Roman" panose="02020603050405020304" pitchFamily="18" charset="0"/>
                 <a:cs typeface="Times New Roman" panose="02020603050405020304" pitchFamily="18" charset="0"/>
               </a:rPr>
-              <a:t>Code quality: The project demonstrates good coding practices, such as clean and organized code structure, proper use of HTML and CSS , and adherence to web development best practices.</a:t>
+              <a:t>Code quality: The project demonstrates good coding practices, such as clean and organized code structure, proper use of HTML, CSS , </a:t>
+            </a:r>
+            <a:r>
+              <a:rPr lang="en-US" dirty="0" err="1">
+                <a:latin typeface="Times New Roman" panose="02020603050405020304" pitchFamily="18" charset="0"/>
+                <a:cs typeface="Times New Roman" panose="02020603050405020304" pitchFamily="18" charset="0"/>
+              </a:rPr>
+              <a:t>japascript</a:t>
+            </a:r>
+            <a:r>
+              <a:rPr lang="en-US" dirty="0">
+                <a:latin typeface="Times New Roman" panose="02020603050405020304" pitchFamily="18" charset="0"/>
+                <a:cs typeface="Times New Roman" panose="02020603050405020304" pitchFamily="18" charset="0"/>
+              </a:rPr>
+              <a:t> and adherence to web development best practices.</a:t>
             </a:r>
           </a:p>
           <a:p>
@@ -4351,7 +4106,7 @@
         </p:nvSpPr>
         <p:spPr>
           <a:xfrm>
-            <a:off x="467544" y="260648"/>
+            <a:off x="399108" y="116632"/>
             <a:ext cx="5400600" cy="584775"/>
           </a:xfrm>
           <a:prstGeom prst="rect">
@@ -4370,68 +4125,7 @@
                 <a:latin typeface="Times New Roman" pitchFamily="18" charset="0"/>
                 <a:cs typeface="Times New Roman" pitchFamily="18" charset="0"/>
               </a:rPr>
-              <a:t>Conclusion</a:t>
-            </a:r>
-          </a:p>
-        </p:txBody>
-      </p:sp>
-      <p:sp>
-        <p:nvSpPr>
-          <p:cNvPr id="3" name="Rectangle 2"/>
-          <p:cNvSpPr/>
-          <p:nvPr/>
-        </p:nvSpPr>
-        <p:spPr>
-          <a:xfrm>
-            <a:off x="437084" y="1772816"/>
-            <a:ext cx="8136904" cy="3693319"/>
-          </a:xfrm>
-          <a:prstGeom prst="rect">
-            <a:avLst/>
-          </a:prstGeom>
-        </p:spPr>
-        <p:txBody>
-          <a:bodyPr wrap="square">
-            <a:spAutoFit/>
-          </a:bodyPr>
-          <a:lstStyle/>
-          <a:p>
-            <a:r>
-              <a:rPr lang="en-US" dirty="0">
-                <a:latin typeface="Times New Roman" pitchFamily="18" charset="0"/>
-                <a:cs typeface="Times New Roman" pitchFamily="18" charset="0"/>
-              </a:rPr>
-              <a:t>In conclusion, the Tribute Page project provides an opportunity to honor and celebrate the life and achievements of a person who has made a significant impact in their field or community. By building a well-designed and engaging tribute page, we can create a lasting and memorable tribute that inspires and educates others.</a:t>
-            </a:r>
-          </a:p>
-          <a:p>
-            <a:endParaRPr lang="en-US" dirty="0">
-              <a:latin typeface="Times New Roman" pitchFamily="18" charset="0"/>
-              <a:cs typeface="Times New Roman" pitchFamily="18" charset="0"/>
-            </a:endParaRPr>
-          </a:p>
-          <a:p>
-            <a:r>
-              <a:rPr lang="en-US" dirty="0">
-                <a:latin typeface="Times New Roman" pitchFamily="18" charset="0"/>
-                <a:cs typeface="Times New Roman" pitchFamily="18" charset="0"/>
-              </a:rPr>
-              <a:t>Throughout the project, we can utilize a range of web development tools and techniques to create a tribute page that is visually appealing, interactive, and informative.</a:t>
-            </a:r>
-          </a:p>
-          <a:p>
-            <a:endParaRPr lang="en-US" dirty="0">
-              <a:latin typeface="Times New Roman" pitchFamily="18" charset="0"/>
-              <a:cs typeface="Times New Roman" pitchFamily="18" charset="0"/>
-            </a:endParaRPr>
-          </a:p>
-          <a:p>
-            <a:r>
-              <a:rPr lang="en-US" dirty="0">
-                <a:latin typeface="Times New Roman" pitchFamily="18" charset="0"/>
-                <a:cs typeface="Times New Roman" pitchFamily="18" charset="0"/>
-              </a:rPr>
-              <a:t>Ultimately, the Tribute Page project is a chance to showcase our web development skills and creativity while paying tribute to a deserving individual. It can be a rewarding and meaningful project that provides an opportunity to learn new skills, showcase our work, and create something that has a positive impact on others.</a:t>
+              <a:t>References/Links used</a:t>
             </a:r>
           </a:p>
         </p:txBody>
@@ -4441,7 +4135,7 @@
           <p:cNvPr id="4" name="TextBox 3">
             <a:extLst>
               <a:ext uri="{FF2B5EF4-FFF2-40B4-BE49-F238E27FC236}">
-                <a16:creationId xmlns:a16="http://schemas.microsoft.com/office/drawing/2014/main" id="{56B8F8B6-BD7F-43F6-A733-0AC65DE75B2D}"/>
+                <a16:creationId xmlns:a16="http://schemas.microsoft.com/office/drawing/2014/main" id="{0A61EA2A-9C16-4F6F-8B7B-17B585ABF9F2}"/>
               </a:ext>
             </a:extLst>
           </p:cNvPr>
@@ -4469,7 +4163,7 @@
                 <a:latin typeface="Times New Roman" panose="02020603050405020304" pitchFamily="18" charset="0"/>
                 <a:cs typeface="Times New Roman" panose="02020603050405020304" pitchFamily="18" charset="0"/>
               </a:rPr>
-              <a:t>(6)</a:t>
+              <a:t>(7)</a:t>
             </a:r>
             <a:endParaRPr lang="en-IN" sz="1100" dirty="0">
               <a:latin typeface="Times New Roman" panose="02020603050405020304" pitchFamily="18" charset="0"/>
@@ -4478,12 +4172,152 @@
           </a:p>
         </p:txBody>
       </p:sp>
+      <p:sp>
+        <p:nvSpPr>
+          <p:cNvPr id="5" name="TextBox 4">
+            <a:extLst>
+              <a:ext uri="{FF2B5EF4-FFF2-40B4-BE49-F238E27FC236}">
+                <a16:creationId xmlns:a16="http://schemas.microsoft.com/office/drawing/2014/main" id="{9CB7CBEC-BF4D-4E21-8982-C2E25AEE9BA8}"/>
+              </a:ext>
+            </a:extLst>
+          </p:cNvPr>
+          <p:cNvSpPr txBox="1"/>
+          <p:nvPr/>
+        </p:nvSpPr>
+        <p:spPr>
+          <a:xfrm>
+            <a:off x="397372" y="2086353"/>
+            <a:ext cx="7845300" cy="4247317"/>
+          </a:xfrm>
+          <a:prstGeom prst="rect">
+            <a:avLst/>
+          </a:prstGeom>
+          <a:noFill/>
+        </p:spPr>
+        <p:txBody>
+          <a:bodyPr wrap="square" rtlCol="0">
+            <a:spAutoFit/>
+          </a:bodyPr>
+          <a:lstStyle/>
+          <a:p>
+            <a:pPr marL="342900" indent="-342900">
+              <a:buFont typeface="Arial" panose="020B0604020202020204" pitchFamily="34" charset="0"/>
+              <a:buChar char="•"/>
+            </a:pPr>
+            <a:r>
+              <a:rPr lang="en-IN" dirty="0">
+                <a:hlinkClick r:id="rId2"/>
+              </a:rPr>
+              <a:t>https://en.wikipedia.org/wiki/List_of_awards_and_honours_received_by_A._P._J._Abdul_Kalam</a:t>
+            </a:r>
+            <a:endParaRPr lang="en-IN" dirty="0"/>
+          </a:p>
+          <a:p>
+            <a:pPr marL="342900" indent="-342900">
+              <a:buFont typeface="Arial" panose="020B0604020202020204" pitchFamily="34" charset="0"/>
+              <a:buChar char="•"/>
+            </a:pPr>
+            <a:endParaRPr lang="en-IN" dirty="0"/>
+          </a:p>
+          <a:p>
+            <a:pPr marL="342900" indent="-342900">
+              <a:buFont typeface="Arial" panose="020B0604020202020204" pitchFamily="34" charset="0"/>
+              <a:buChar char="•"/>
+            </a:pPr>
+            <a:r>
+              <a:rPr lang="en-IN" dirty="0">
+                <a:hlinkClick r:id="rId3"/>
+              </a:rPr>
+              <a:t>https://en.wikipedia.org/wiki/A._P._J._Abdul_Kalam</a:t>
+            </a:r>
+            <a:endParaRPr lang="en-IN" dirty="0"/>
+          </a:p>
+          <a:p>
+            <a:pPr marL="342900" indent="-342900">
+              <a:buFont typeface="Arial" panose="020B0604020202020204" pitchFamily="34" charset="0"/>
+              <a:buChar char="•"/>
+            </a:pPr>
+            <a:endParaRPr lang="en-IN" dirty="0"/>
+          </a:p>
+          <a:p>
+            <a:pPr marL="342900" indent="-342900">
+              <a:buFont typeface="Arial" panose="020B0604020202020204" pitchFamily="34" charset="0"/>
+              <a:buChar char="•"/>
+            </a:pPr>
+            <a:r>
+              <a:rPr lang="en-IN" dirty="0">
+                <a:hlinkClick r:id="rId4"/>
+              </a:rPr>
+              <a:t>https://learn.culturalindia.net/a-p-j-abdul-kalam.html</a:t>
+            </a:r>
+            <a:endParaRPr lang="en-IN" dirty="0"/>
+          </a:p>
+          <a:p>
+            <a:pPr marL="342900" indent="-342900">
+              <a:buFont typeface="Arial" panose="020B0604020202020204" pitchFamily="34" charset="0"/>
+              <a:buChar char="•"/>
+            </a:pPr>
+            <a:endParaRPr lang="en-IN" dirty="0"/>
+          </a:p>
+          <a:p>
+            <a:pPr marL="342900" indent="-342900">
+              <a:buFont typeface="Arial" panose="020B0604020202020204" pitchFamily="34" charset="0"/>
+              <a:buChar char="•"/>
+            </a:pPr>
+            <a:r>
+              <a:rPr lang="en-IN" dirty="0">
+                <a:hlinkClick r:id="rId5"/>
+              </a:rPr>
+              <a:t>https://www.britannica.com/biography/A-P-J-Abdul-Kalam</a:t>
+            </a:r>
+            <a:endParaRPr lang="en-IN" dirty="0"/>
+          </a:p>
+          <a:p>
+            <a:pPr marL="342900" indent="-342900">
+              <a:buFont typeface="Arial" panose="020B0604020202020204" pitchFamily="34" charset="0"/>
+              <a:buChar char="•"/>
+            </a:pPr>
+            <a:endParaRPr lang="en-IN" dirty="0"/>
+          </a:p>
+          <a:p>
+            <a:pPr marL="342900" indent="-342900">
+              <a:buFont typeface="Arial" panose="020B0604020202020204" pitchFamily="34" charset="0"/>
+              <a:buChar char="•"/>
+            </a:pPr>
+            <a:r>
+              <a:rPr lang="en-IN" dirty="0">
+                <a:hlinkClick r:id="rId6"/>
+              </a:rPr>
+              <a:t>https://www.thefamouspeople.com/profiles/a-p-j-abdul-kalam-590.php</a:t>
+            </a:r>
+            <a:endParaRPr lang="en-IN" dirty="0"/>
+          </a:p>
+          <a:p>
+            <a:endParaRPr lang="en-IN" dirty="0"/>
+          </a:p>
+          <a:p>
+            <a:endParaRPr lang="en-IN" dirty="0"/>
+          </a:p>
+          <a:p>
+            <a:endParaRPr lang="en-IN" dirty="0"/>
+          </a:p>
+          <a:p>
+            <a:pPr marL="342900" indent="-342900">
+              <a:buFont typeface="Arial" panose="020B0604020202020204" pitchFamily="34" charset="0"/>
+              <a:buChar char="•"/>
+            </a:pPr>
+            <a:endParaRPr lang="en-IN" dirty="0"/>
+          </a:p>
+          <a:p>
+            <a:pPr marL="342900" indent="-342900">
+              <a:buFont typeface="Arial" panose="020B0604020202020204" pitchFamily="34" charset="0"/>
+              <a:buChar char="•"/>
+            </a:pPr>
+            <a:endParaRPr lang="en-IN" dirty="0"/>
+          </a:p>
+        </p:txBody>
+      </p:sp>
     </p:spTree>
-    <p:extLst>
-      <p:ext uri="{BB962C8B-B14F-4D97-AF65-F5344CB8AC3E}">
-        <p14:creationId xmlns:p14="http://schemas.microsoft.com/office/powerpoint/2010/main" val="3569010666"/>
-      </p:ext>
-    </p:extLst>
   </p:cSld>
   <p:clrMapOvr>
     <a:masterClrMapping/>

--- a/Fee presentation.pptx
+++ b/Fee presentation.pptx
@@ -12,9 +12,11 @@
     <p:sldId id="272" r:id="rId6"/>
     <p:sldId id="274" r:id="rId7"/>
     <p:sldId id="275" r:id="rId8"/>
-    <p:sldId id="278" r:id="rId9"/>
-    <p:sldId id="279" r:id="rId10"/>
-    <p:sldId id="265" r:id="rId11"/>
+    <p:sldId id="282" r:id="rId9"/>
+    <p:sldId id="281" r:id="rId10"/>
+    <p:sldId id="278" r:id="rId11"/>
+    <p:sldId id="279" r:id="rId12"/>
+    <p:sldId id="265" r:id="rId13"/>
   </p:sldIdLst>
   <p:sldSz cx="9144000" cy="6858000" type="screen4x3"/>
   <p:notesSz cx="6858000" cy="9144000"/>
@@ -135,68 +137,6 @@
 <file path=ppt/changesInfos/changesInfo1.xml><?xml version="1.0" encoding="utf-8"?>
 <pc:chgInfo xmlns:a="http://schemas.openxmlformats.org/drawingml/2006/main" xmlns:r="http://schemas.openxmlformats.org/officeDocument/2006/relationships" xmlns:ac="http://schemas.microsoft.com/office/drawing/2013/main/command" xmlns:pc="http://schemas.microsoft.com/office/powerpoint/2013/main/command">
   <pc:docChgLst>
-    <pc:chgData name="Shunsuke ‎‎‎‎‎" userId="b513fa1e-2d0e-4785-9341-908e242f47b9" providerId="ADAL" clId="{D5AA6005-F808-4DD6-9AFA-C5AAC3B3D0CE}"/>
-    <pc:docChg chg="custSel delSld modSld">
-      <pc:chgData name="Shunsuke ‎‎‎‎‎" userId="b513fa1e-2d0e-4785-9341-908e242f47b9" providerId="ADAL" clId="{D5AA6005-F808-4DD6-9AFA-C5AAC3B3D0CE}" dt="2023-05-22T18:24:26.739" v="66" actId="20577"/>
-      <pc:docMkLst>
-        <pc:docMk/>
-      </pc:docMkLst>
-      <pc:sldChg chg="delSp modSp mod">
-        <pc:chgData name="Shunsuke ‎‎‎‎‎" userId="b513fa1e-2d0e-4785-9341-908e242f47b9" providerId="ADAL" clId="{D5AA6005-F808-4DD6-9AFA-C5AAC3B3D0CE}" dt="2023-05-22T18:24:04.706" v="42" actId="478"/>
-        <pc:sldMkLst>
-          <pc:docMk/>
-          <pc:sldMk cId="0" sldId="272"/>
-        </pc:sldMkLst>
-        <pc:spChg chg="mod">
-          <ac:chgData name="Shunsuke ‎‎‎‎‎" userId="b513fa1e-2d0e-4785-9341-908e242f47b9" providerId="ADAL" clId="{D5AA6005-F808-4DD6-9AFA-C5AAC3B3D0CE}" dt="2023-05-22T18:23:56.407" v="40" actId="20577"/>
-          <ac:spMkLst>
-            <pc:docMk/>
-            <pc:sldMk cId="0" sldId="272"/>
-            <ac:spMk id="3" creationId="{00000000-0000-0000-0000-000000000000}"/>
-          </ac:spMkLst>
-        </pc:spChg>
-        <pc:spChg chg="del">
-          <ac:chgData name="Shunsuke ‎‎‎‎‎" userId="b513fa1e-2d0e-4785-9341-908e242f47b9" providerId="ADAL" clId="{D5AA6005-F808-4DD6-9AFA-C5AAC3B3D0CE}" dt="2023-05-22T18:24:02.101" v="41" actId="478"/>
-          <ac:spMkLst>
-            <pc:docMk/>
-            <pc:sldMk cId="0" sldId="272"/>
-            <ac:spMk id="7" creationId="{C8E2A3F3-754F-4CFB-AC84-70AB25D0FDEF}"/>
-          </ac:spMkLst>
-        </pc:spChg>
-        <pc:spChg chg="del">
-          <ac:chgData name="Shunsuke ‎‎‎‎‎" userId="b513fa1e-2d0e-4785-9341-908e242f47b9" providerId="ADAL" clId="{D5AA6005-F808-4DD6-9AFA-C5AAC3B3D0CE}" dt="2023-05-22T18:24:04.706" v="42" actId="478"/>
-          <ac:spMkLst>
-            <pc:docMk/>
-            <pc:sldMk cId="0" sldId="272"/>
-            <ac:spMk id="8" creationId="{E00116D1-C860-4D51-8137-09F94BF3CA1C}"/>
-          </ac:spMkLst>
-        </pc:spChg>
-      </pc:sldChg>
-      <pc:sldChg chg="modSp mod">
-        <pc:chgData name="Shunsuke ‎‎‎‎‎" userId="b513fa1e-2d0e-4785-9341-908e242f47b9" providerId="ADAL" clId="{D5AA6005-F808-4DD6-9AFA-C5AAC3B3D0CE}" dt="2023-05-22T18:24:26.739" v="66" actId="20577"/>
-        <pc:sldMkLst>
-          <pc:docMk/>
-          <pc:sldMk cId="0" sldId="275"/>
-        </pc:sldMkLst>
-        <pc:spChg chg="mod">
-          <ac:chgData name="Shunsuke ‎‎‎‎‎" userId="b513fa1e-2d0e-4785-9341-908e242f47b9" providerId="ADAL" clId="{D5AA6005-F808-4DD6-9AFA-C5AAC3B3D0CE}" dt="2023-05-22T18:24:26.739" v="66" actId="20577"/>
-          <ac:spMkLst>
-            <pc:docMk/>
-            <pc:sldMk cId="0" sldId="275"/>
-            <ac:spMk id="7" creationId="{8B57E435-A87B-422E-9A18-E151E0D54DA1}"/>
-          </ac:spMkLst>
-        </pc:spChg>
-      </pc:sldChg>
-      <pc:sldChg chg="del">
-        <pc:chgData name="Shunsuke ‎‎‎‎‎" userId="b513fa1e-2d0e-4785-9341-908e242f47b9" providerId="ADAL" clId="{D5AA6005-F808-4DD6-9AFA-C5AAC3B3D0CE}" dt="2023-05-22T18:22:09.323" v="0" actId="2696"/>
-        <pc:sldMkLst>
-          <pc:docMk/>
-          <pc:sldMk cId="3569010666" sldId="280"/>
-        </pc:sldMkLst>
-      </pc:sldChg>
-    </pc:docChg>
-  </pc:docChgLst>
-  <pc:docChgLst>
     <pc:chgData name="Shunsuke ‎‎‎‎‎" userId="b513fa1e-2d0e-4785-9341-908e242f47b9" providerId="ADAL" clId="{E4520C43-E7D6-4FC7-A0E9-1D65DA7A86D1}"/>
     <pc:docChg chg="undo custSel modSld">
       <pc:chgData name="Shunsuke ‎‎‎‎‎" userId="b513fa1e-2d0e-4785-9341-908e242f47b9" providerId="ADAL" clId="{E4520C43-E7D6-4FC7-A0E9-1D65DA7A86D1}" dt="2023-05-03T19:52:09.841" v="51" actId="1035"/>
@@ -264,6 +204,68 @@
             <ac:picMk id="2052" creationId="{F9BEC253-7D2A-28D9-D0D4-059EB75B6E99}"/>
           </ac:picMkLst>
         </pc:picChg>
+      </pc:sldChg>
+    </pc:docChg>
+  </pc:docChgLst>
+  <pc:docChgLst>
+    <pc:chgData name="Shunsuke ‎‎‎‎‎" userId="b513fa1e-2d0e-4785-9341-908e242f47b9" providerId="ADAL" clId="{D5AA6005-F808-4DD6-9AFA-C5AAC3B3D0CE}"/>
+    <pc:docChg chg="custSel delSld modSld">
+      <pc:chgData name="Shunsuke ‎‎‎‎‎" userId="b513fa1e-2d0e-4785-9341-908e242f47b9" providerId="ADAL" clId="{D5AA6005-F808-4DD6-9AFA-C5AAC3B3D0CE}" dt="2023-05-22T18:24:26.739" v="66" actId="20577"/>
+      <pc:docMkLst>
+        <pc:docMk/>
+      </pc:docMkLst>
+      <pc:sldChg chg="delSp modSp mod">
+        <pc:chgData name="Shunsuke ‎‎‎‎‎" userId="b513fa1e-2d0e-4785-9341-908e242f47b9" providerId="ADAL" clId="{D5AA6005-F808-4DD6-9AFA-C5AAC3B3D0CE}" dt="2023-05-22T18:24:04.706" v="42" actId="478"/>
+        <pc:sldMkLst>
+          <pc:docMk/>
+          <pc:sldMk cId="0" sldId="272"/>
+        </pc:sldMkLst>
+        <pc:spChg chg="mod">
+          <ac:chgData name="Shunsuke ‎‎‎‎‎" userId="b513fa1e-2d0e-4785-9341-908e242f47b9" providerId="ADAL" clId="{D5AA6005-F808-4DD6-9AFA-C5AAC3B3D0CE}" dt="2023-05-22T18:23:56.407" v="40" actId="20577"/>
+          <ac:spMkLst>
+            <pc:docMk/>
+            <pc:sldMk cId="0" sldId="272"/>
+            <ac:spMk id="3" creationId="{00000000-0000-0000-0000-000000000000}"/>
+          </ac:spMkLst>
+        </pc:spChg>
+        <pc:spChg chg="del">
+          <ac:chgData name="Shunsuke ‎‎‎‎‎" userId="b513fa1e-2d0e-4785-9341-908e242f47b9" providerId="ADAL" clId="{D5AA6005-F808-4DD6-9AFA-C5AAC3B3D0CE}" dt="2023-05-22T18:24:02.101" v="41" actId="478"/>
+          <ac:spMkLst>
+            <pc:docMk/>
+            <pc:sldMk cId="0" sldId="272"/>
+            <ac:spMk id="7" creationId="{C8E2A3F3-754F-4CFB-AC84-70AB25D0FDEF}"/>
+          </ac:spMkLst>
+        </pc:spChg>
+        <pc:spChg chg="del">
+          <ac:chgData name="Shunsuke ‎‎‎‎‎" userId="b513fa1e-2d0e-4785-9341-908e242f47b9" providerId="ADAL" clId="{D5AA6005-F808-4DD6-9AFA-C5AAC3B3D0CE}" dt="2023-05-22T18:24:04.706" v="42" actId="478"/>
+          <ac:spMkLst>
+            <pc:docMk/>
+            <pc:sldMk cId="0" sldId="272"/>
+            <ac:spMk id="8" creationId="{E00116D1-C860-4D51-8137-09F94BF3CA1C}"/>
+          </ac:spMkLst>
+        </pc:spChg>
+      </pc:sldChg>
+      <pc:sldChg chg="modSp mod">
+        <pc:chgData name="Shunsuke ‎‎‎‎‎" userId="b513fa1e-2d0e-4785-9341-908e242f47b9" providerId="ADAL" clId="{D5AA6005-F808-4DD6-9AFA-C5AAC3B3D0CE}" dt="2023-05-22T18:24:26.739" v="66" actId="20577"/>
+        <pc:sldMkLst>
+          <pc:docMk/>
+          <pc:sldMk cId="0" sldId="275"/>
+        </pc:sldMkLst>
+        <pc:spChg chg="mod">
+          <ac:chgData name="Shunsuke ‎‎‎‎‎" userId="b513fa1e-2d0e-4785-9341-908e242f47b9" providerId="ADAL" clId="{D5AA6005-F808-4DD6-9AFA-C5AAC3B3D0CE}" dt="2023-05-22T18:24:26.739" v="66" actId="20577"/>
+          <ac:spMkLst>
+            <pc:docMk/>
+            <pc:sldMk cId="0" sldId="275"/>
+            <ac:spMk id="7" creationId="{8B57E435-A87B-422E-9A18-E151E0D54DA1}"/>
+          </ac:spMkLst>
+        </pc:spChg>
+      </pc:sldChg>
+      <pc:sldChg chg="del">
+        <pc:chgData name="Shunsuke ‎‎‎‎‎" userId="b513fa1e-2d0e-4785-9341-908e242f47b9" providerId="ADAL" clId="{D5AA6005-F808-4DD6-9AFA-C5AAC3B3D0CE}" dt="2023-05-22T18:22:09.323" v="0" actId="2696"/>
+        <pc:sldMkLst>
+          <pc:docMk/>
+          <pc:sldMk cId="3569010666" sldId="280"/>
+        </pc:sldMkLst>
       </pc:sldChg>
     </pc:docChg>
   </pc:docChgLst>
@@ -463,7 +465,7 @@
             <a:fld id="{1D5BB0C6-8FC1-47C0-B737-D54E21B5B868}" type="datetimeFigureOut">
               <a:rPr lang="en-US" smtClean="0"/>
               <a:pPr/>
-              <a:t>5/22/2023</a:t>
+              <a:t>5/30/2023</a:t>
             </a:fld>
             <a:endParaRPr lang="en-US"/>
           </a:p>
@@ -880,7 +882,7 @@
             <a:fld id="{1D5BB0C6-8FC1-47C0-B737-D54E21B5B868}" type="datetimeFigureOut">
               <a:rPr lang="en-US" smtClean="0"/>
               <a:pPr/>
-              <a:t>5/22/2023</a:t>
+              <a:t>5/30/2023</a:t>
             </a:fld>
             <a:endParaRPr lang="en-US"/>
           </a:p>
@@ -983,7 +985,7 @@
             <a:fld id="{1D5BB0C6-8FC1-47C0-B737-D54E21B5B868}" type="datetimeFigureOut">
               <a:rPr lang="en-US" smtClean="0"/>
               <a:pPr/>
-              <a:t>5/22/2023</a:t>
+              <a:t>5/30/2023</a:t>
             </a:fld>
             <a:endParaRPr lang="en-US"/>
           </a:p>
@@ -1220,7 +1222,7 @@
             <a:fld id="{1D5BB0C6-8FC1-47C0-B737-D54E21B5B868}" type="datetimeFigureOut">
               <a:rPr lang="en-US" smtClean="0"/>
               <a:pPr/>
-              <a:t>5/22/2023</a:t>
+              <a:t>5/30/2023</a:t>
             </a:fld>
             <a:endParaRPr lang="en-US"/>
           </a:p>
@@ -2319,6 +2321,416 @@
       </p:grpSpPr>
       <p:sp>
         <p:nvSpPr>
+          <p:cNvPr id="2" name="TextBox 1"/>
+          <p:cNvSpPr txBox="1"/>
+          <p:nvPr/>
+        </p:nvSpPr>
+        <p:spPr>
+          <a:xfrm>
+            <a:off x="467544" y="260648"/>
+            <a:ext cx="5400600" cy="584775"/>
+          </a:xfrm>
+          <a:prstGeom prst="rect">
+            <a:avLst/>
+          </a:prstGeom>
+          <a:noFill/>
+        </p:spPr>
+        <p:txBody>
+          <a:bodyPr wrap="square" rtlCol="0">
+            <a:spAutoFit/>
+          </a:bodyPr>
+          <a:lstStyle/>
+          <a:p>
+            <a:r>
+              <a:rPr lang="en-US" sz="3200" dirty="0">
+                <a:latin typeface="Times New Roman" pitchFamily="18" charset="0"/>
+                <a:cs typeface="Times New Roman" pitchFamily="18" charset="0"/>
+              </a:rPr>
+              <a:t>Conclusion</a:t>
+            </a:r>
+          </a:p>
+        </p:txBody>
+      </p:sp>
+      <p:sp>
+        <p:nvSpPr>
+          <p:cNvPr id="3" name="Rectangle 2"/>
+          <p:cNvSpPr/>
+          <p:nvPr/>
+        </p:nvSpPr>
+        <p:spPr>
+          <a:xfrm>
+            <a:off x="437084" y="1772816"/>
+            <a:ext cx="8136904" cy="3693319"/>
+          </a:xfrm>
+          <a:prstGeom prst="rect">
+            <a:avLst/>
+          </a:prstGeom>
+        </p:spPr>
+        <p:txBody>
+          <a:bodyPr wrap="square">
+            <a:spAutoFit/>
+          </a:bodyPr>
+          <a:lstStyle/>
+          <a:p>
+            <a:r>
+              <a:rPr lang="en-US" dirty="0">
+                <a:latin typeface="Times New Roman" pitchFamily="18" charset="0"/>
+                <a:cs typeface="Times New Roman" pitchFamily="18" charset="0"/>
+              </a:rPr>
+              <a:t>In conclusion, the Tribute Page project provides an opportunity to honor and celebrate the life and achievements of a person who has made a significant impact in their field or community. By building a well-designed and engaging tribute page, we can create a lasting and memorable tribute that inspires and educates others.</a:t>
+            </a:r>
+          </a:p>
+          <a:p>
+            <a:endParaRPr lang="en-US" dirty="0">
+              <a:latin typeface="Times New Roman" pitchFamily="18" charset="0"/>
+              <a:cs typeface="Times New Roman" pitchFamily="18" charset="0"/>
+            </a:endParaRPr>
+          </a:p>
+          <a:p>
+            <a:r>
+              <a:rPr lang="en-US" dirty="0">
+                <a:latin typeface="Times New Roman" pitchFamily="18" charset="0"/>
+                <a:cs typeface="Times New Roman" pitchFamily="18" charset="0"/>
+              </a:rPr>
+              <a:t>Throughout the project, we can utilize a range of web development tools and techniques to create a tribute page that is visually appealing, interactive, and informative.</a:t>
+            </a:r>
+          </a:p>
+          <a:p>
+            <a:endParaRPr lang="en-US" dirty="0">
+              <a:latin typeface="Times New Roman" pitchFamily="18" charset="0"/>
+              <a:cs typeface="Times New Roman" pitchFamily="18" charset="0"/>
+            </a:endParaRPr>
+          </a:p>
+          <a:p>
+            <a:r>
+              <a:rPr lang="en-US" dirty="0">
+                <a:latin typeface="Times New Roman" pitchFamily="18" charset="0"/>
+                <a:cs typeface="Times New Roman" pitchFamily="18" charset="0"/>
+              </a:rPr>
+              <a:t>Ultimately, the Tribute Page project is a chance to showcase our web development skills and creativity while paying tribute to a deserving individual. It can be a rewarding and meaningful project that provides an opportunity to learn new skills, showcase our work, and create something that has a positive impact on others.</a:t>
+            </a:r>
+          </a:p>
+        </p:txBody>
+      </p:sp>
+      <p:sp>
+        <p:nvSpPr>
+          <p:cNvPr id="4" name="TextBox 3">
+            <a:extLst>
+              <a:ext uri="{FF2B5EF4-FFF2-40B4-BE49-F238E27FC236}">
+                <a16:creationId xmlns:a16="http://schemas.microsoft.com/office/drawing/2014/main" id="{56B8F8B6-BD7F-43F6-A733-0AC65DE75B2D}"/>
+              </a:ext>
+            </a:extLst>
+          </p:cNvPr>
+          <p:cNvSpPr txBox="1"/>
+          <p:nvPr/>
+        </p:nvSpPr>
+        <p:spPr>
+          <a:xfrm>
+            <a:off x="4211960" y="6420417"/>
+            <a:ext cx="1152128" cy="261610"/>
+          </a:xfrm>
+          <a:prstGeom prst="rect">
+            <a:avLst/>
+          </a:prstGeom>
+          <a:noFill/>
+        </p:spPr>
+        <p:txBody>
+          <a:bodyPr wrap="square" rtlCol="0">
+            <a:spAutoFit/>
+          </a:bodyPr>
+          <a:lstStyle/>
+          <a:p>
+            <a:r>
+              <a:rPr lang="en-US" sz="1100" dirty="0">
+                <a:latin typeface="Times New Roman" panose="02020603050405020304" pitchFamily="18" charset="0"/>
+                <a:cs typeface="Times New Roman" panose="02020603050405020304" pitchFamily="18" charset="0"/>
+              </a:rPr>
+              <a:t>(6)</a:t>
+            </a:r>
+            <a:endParaRPr lang="en-IN" sz="1100" dirty="0">
+              <a:latin typeface="Times New Roman" panose="02020603050405020304" pitchFamily="18" charset="0"/>
+              <a:cs typeface="Times New Roman" panose="02020603050405020304" pitchFamily="18" charset="0"/>
+            </a:endParaRPr>
+          </a:p>
+        </p:txBody>
+      </p:sp>
+    </p:spTree>
+  </p:cSld>
+  <p:clrMapOvr>
+    <a:masterClrMapping/>
+  </p:clrMapOvr>
+  <p:transition advTm="4000">
+    <p:cut/>
+  </p:transition>
+</p:sld>
+</file>
+
+<file path=ppt/slides/slide11.xml><?xml version="1.0" encoding="utf-8"?>
+<p:sld xmlns:a="http://schemas.openxmlformats.org/drawingml/2006/main" xmlns:r="http://schemas.openxmlformats.org/officeDocument/2006/relationships" xmlns:p="http://schemas.openxmlformats.org/presentationml/2006/main">
+  <p:cSld>
+    <p:spTree>
+      <p:nvGrpSpPr>
+        <p:cNvPr id="1" name=""/>
+        <p:cNvGrpSpPr/>
+        <p:nvPr/>
+      </p:nvGrpSpPr>
+      <p:grpSpPr>
+        <a:xfrm>
+          <a:off x="0" y="0"/>
+          <a:ext cx="0" cy="0"/>
+          <a:chOff x="0" y="0"/>
+          <a:chExt cx="0" cy="0"/>
+        </a:xfrm>
+      </p:grpSpPr>
+      <p:sp>
+        <p:nvSpPr>
+          <p:cNvPr id="2" name="TextBox 1"/>
+          <p:cNvSpPr txBox="1"/>
+          <p:nvPr/>
+        </p:nvSpPr>
+        <p:spPr>
+          <a:xfrm>
+            <a:off x="399108" y="116632"/>
+            <a:ext cx="5400600" cy="584775"/>
+          </a:xfrm>
+          <a:prstGeom prst="rect">
+            <a:avLst/>
+          </a:prstGeom>
+          <a:noFill/>
+        </p:spPr>
+        <p:txBody>
+          <a:bodyPr wrap="square" rtlCol="0">
+            <a:spAutoFit/>
+          </a:bodyPr>
+          <a:lstStyle/>
+          <a:p>
+            <a:r>
+              <a:rPr lang="en-US" sz="3200" dirty="0">
+                <a:latin typeface="Times New Roman" pitchFamily="18" charset="0"/>
+                <a:cs typeface="Times New Roman" pitchFamily="18" charset="0"/>
+              </a:rPr>
+              <a:t>References/Links used</a:t>
+            </a:r>
+          </a:p>
+        </p:txBody>
+      </p:sp>
+      <p:sp>
+        <p:nvSpPr>
+          <p:cNvPr id="4" name="TextBox 3">
+            <a:extLst>
+              <a:ext uri="{FF2B5EF4-FFF2-40B4-BE49-F238E27FC236}">
+                <a16:creationId xmlns:a16="http://schemas.microsoft.com/office/drawing/2014/main" id="{0A61EA2A-9C16-4F6F-8B7B-17B585ABF9F2}"/>
+              </a:ext>
+            </a:extLst>
+          </p:cNvPr>
+          <p:cNvSpPr txBox="1"/>
+          <p:nvPr/>
+        </p:nvSpPr>
+        <p:spPr>
+          <a:xfrm>
+            <a:off x="4211960" y="6420417"/>
+            <a:ext cx="1152128" cy="261610"/>
+          </a:xfrm>
+          <a:prstGeom prst="rect">
+            <a:avLst/>
+          </a:prstGeom>
+          <a:noFill/>
+        </p:spPr>
+        <p:txBody>
+          <a:bodyPr wrap="square" rtlCol="0">
+            <a:spAutoFit/>
+          </a:bodyPr>
+          <a:lstStyle/>
+          <a:p>
+            <a:r>
+              <a:rPr lang="en-US" sz="1100" dirty="0">
+                <a:latin typeface="Times New Roman" panose="02020603050405020304" pitchFamily="18" charset="0"/>
+                <a:cs typeface="Times New Roman" panose="02020603050405020304" pitchFamily="18" charset="0"/>
+              </a:rPr>
+              <a:t>(7)</a:t>
+            </a:r>
+            <a:endParaRPr lang="en-IN" sz="1100" dirty="0">
+              <a:latin typeface="Times New Roman" panose="02020603050405020304" pitchFamily="18" charset="0"/>
+              <a:cs typeface="Times New Roman" panose="02020603050405020304" pitchFamily="18" charset="0"/>
+            </a:endParaRPr>
+          </a:p>
+        </p:txBody>
+      </p:sp>
+      <p:sp>
+        <p:nvSpPr>
+          <p:cNvPr id="5" name="TextBox 4">
+            <a:extLst>
+              <a:ext uri="{FF2B5EF4-FFF2-40B4-BE49-F238E27FC236}">
+                <a16:creationId xmlns:a16="http://schemas.microsoft.com/office/drawing/2014/main" id="{9CB7CBEC-BF4D-4E21-8982-C2E25AEE9BA8}"/>
+              </a:ext>
+            </a:extLst>
+          </p:cNvPr>
+          <p:cNvSpPr txBox="1"/>
+          <p:nvPr/>
+        </p:nvSpPr>
+        <p:spPr>
+          <a:xfrm>
+            <a:off x="397372" y="2086353"/>
+            <a:ext cx="7845300" cy="4247317"/>
+          </a:xfrm>
+          <a:prstGeom prst="rect">
+            <a:avLst/>
+          </a:prstGeom>
+          <a:noFill/>
+        </p:spPr>
+        <p:txBody>
+          <a:bodyPr wrap="square" rtlCol="0">
+            <a:spAutoFit/>
+          </a:bodyPr>
+          <a:lstStyle/>
+          <a:p>
+            <a:pPr marL="342900" indent="-342900">
+              <a:buFont typeface="Arial" panose="020B0604020202020204" pitchFamily="34" charset="0"/>
+              <a:buChar char="•"/>
+            </a:pPr>
+            <a:r>
+              <a:rPr lang="en-IN" dirty="0">
+                <a:hlinkClick r:id="rId2"/>
+              </a:rPr>
+              <a:t>https://en.wikipedia.org/wiki/List_of_awards_and_honours_received_by_A._P._J._Abdul_Kalam</a:t>
+            </a:r>
+            <a:endParaRPr lang="en-IN" dirty="0"/>
+          </a:p>
+          <a:p>
+            <a:pPr marL="342900" indent="-342900">
+              <a:buFont typeface="Arial" panose="020B0604020202020204" pitchFamily="34" charset="0"/>
+              <a:buChar char="•"/>
+            </a:pPr>
+            <a:endParaRPr lang="en-IN" dirty="0"/>
+          </a:p>
+          <a:p>
+            <a:pPr marL="342900" indent="-342900">
+              <a:buFont typeface="Arial" panose="020B0604020202020204" pitchFamily="34" charset="0"/>
+              <a:buChar char="•"/>
+            </a:pPr>
+            <a:r>
+              <a:rPr lang="en-IN" dirty="0">
+                <a:hlinkClick r:id="rId3"/>
+              </a:rPr>
+              <a:t>https://en.wikipedia.org/wiki/A._P._J._Abdul_Kalam</a:t>
+            </a:r>
+            <a:endParaRPr lang="en-IN" dirty="0"/>
+          </a:p>
+          <a:p>
+            <a:pPr marL="342900" indent="-342900">
+              <a:buFont typeface="Arial" panose="020B0604020202020204" pitchFamily="34" charset="0"/>
+              <a:buChar char="•"/>
+            </a:pPr>
+            <a:endParaRPr lang="en-IN" dirty="0"/>
+          </a:p>
+          <a:p>
+            <a:pPr marL="342900" indent="-342900">
+              <a:buFont typeface="Arial" panose="020B0604020202020204" pitchFamily="34" charset="0"/>
+              <a:buChar char="•"/>
+            </a:pPr>
+            <a:r>
+              <a:rPr lang="en-IN" dirty="0">
+                <a:hlinkClick r:id="rId4"/>
+              </a:rPr>
+              <a:t>https://learn.culturalindia.net/a-p-j-abdul-kalam.html</a:t>
+            </a:r>
+            <a:endParaRPr lang="en-IN" dirty="0"/>
+          </a:p>
+          <a:p>
+            <a:pPr marL="342900" indent="-342900">
+              <a:buFont typeface="Arial" panose="020B0604020202020204" pitchFamily="34" charset="0"/>
+              <a:buChar char="•"/>
+            </a:pPr>
+            <a:endParaRPr lang="en-IN" dirty="0"/>
+          </a:p>
+          <a:p>
+            <a:pPr marL="342900" indent="-342900">
+              <a:buFont typeface="Arial" panose="020B0604020202020204" pitchFamily="34" charset="0"/>
+              <a:buChar char="•"/>
+            </a:pPr>
+            <a:r>
+              <a:rPr lang="en-IN" dirty="0">
+                <a:hlinkClick r:id="rId5"/>
+              </a:rPr>
+              <a:t>https://www.britannica.com/biography/A-P-J-Abdul-Kalam</a:t>
+            </a:r>
+            <a:endParaRPr lang="en-IN" dirty="0"/>
+          </a:p>
+          <a:p>
+            <a:pPr marL="342900" indent="-342900">
+              <a:buFont typeface="Arial" panose="020B0604020202020204" pitchFamily="34" charset="0"/>
+              <a:buChar char="•"/>
+            </a:pPr>
+            <a:endParaRPr lang="en-IN" dirty="0"/>
+          </a:p>
+          <a:p>
+            <a:pPr marL="342900" indent="-342900">
+              <a:buFont typeface="Arial" panose="020B0604020202020204" pitchFamily="34" charset="0"/>
+              <a:buChar char="•"/>
+            </a:pPr>
+            <a:r>
+              <a:rPr lang="en-IN" dirty="0">
+                <a:hlinkClick r:id="rId6"/>
+              </a:rPr>
+              <a:t>https://www.thefamouspeople.com/profiles/a-p-j-abdul-kalam-590.php</a:t>
+            </a:r>
+            <a:endParaRPr lang="en-IN" dirty="0"/>
+          </a:p>
+          <a:p>
+            <a:endParaRPr lang="en-IN" dirty="0"/>
+          </a:p>
+          <a:p>
+            <a:endParaRPr lang="en-IN" dirty="0"/>
+          </a:p>
+          <a:p>
+            <a:endParaRPr lang="en-IN" dirty="0"/>
+          </a:p>
+          <a:p>
+            <a:pPr marL="342900" indent="-342900">
+              <a:buFont typeface="Arial" panose="020B0604020202020204" pitchFamily="34" charset="0"/>
+              <a:buChar char="•"/>
+            </a:pPr>
+            <a:endParaRPr lang="en-IN" dirty="0"/>
+          </a:p>
+          <a:p>
+            <a:pPr marL="342900" indent="-342900">
+              <a:buFont typeface="Arial" panose="020B0604020202020204" pitchFamily="34" charset="0"/>
+              <a:buChar char="•"/>
+            </a:pPr>
+            <a:endParaRPr lang="en-IN" dirty="0"/>
+          </a:p>
+        </p:txBody>
+      </p:sp>
+    </p:spTree>
+  </p:cSld>
+  <p:clrMapOvr>
+    <a:masterClrMapping/>
+  </p:clrMapOvr>
+  <p:transition advTm="4000">
+    <p:cut/>
+  </p:transition>
+</p:sld>
+</file>
+
+<file path=ppt/slides/slide12.xml><?xml version="1.0" encoding="utf-8"?>
+<p:sld xmlns:a="http://schemas.openxmlformats.org/drawingml/2006/main" xmlns:r="http://schemas.openxmlformats.org/officeDocument/2006/relationships" xmlns:p="http://schemas.openxmlformats.org/presentationml/2006/main">
+  <p:cSld>
+    <p:spTree>
+      <p:nvGrpSpPr>
+        <p:cNvPr id="1" name=""/>
+        <p:cNvGrpSpPr/>
+        <p:nvPr/>
+      </p:nvGrpSpPr>
+      <p:grpSpPr>
+        <a:xfrm>
+          <a:off x="0" y="0"/>
+          <a:ext cx="0" cy="0"/>
+          <a:chOff x="0" y="0"/>
+          <a:chExt cx="0" cy="0"/>
+        </a:xfrm>
+      </p:grpSpPr>
+      <p:sp>
+        <p:nvSpPr>
           <p:cNvPr id="1028" name="AutoShape 4" descr="Download The Best Thank You Slide For PPT Presentation"/>
           <p:cNvSpPr>
             <a:spLocks noChangeAspect="1" noChangeArrowheads="1"/>
@@ -2512,7 +2924,7 @@
         <p:spPr>
           <a:xfrm>
             <a:off x="323528" y="980728"/>
-            <a:ext cx="6912768" cy="5324535"/>
+            <a:ext cx="6912768" cy="5940088"/>
           </a:xfrm>
           <a:prstGeom prst="rect">
             <a:avLst/>
@@ -2674,7 +3086,7 @@
                 <a:latin typeface="Times New Roman" pitchFamily="18" charset="0"/>
                 <a:cs typeface="Times New Roman" pitchFamily="18" charset="0"/>
               </a:rPr>
-              <a:t>Conclusion	                                                    6</a:t>
+              <a:t>Development Process			         6</a:t>
             </a:r>
           </a:p>
           <a:p>
@@ -2697,7 +3109,30 @@
                 <a:latin typeface="Times New Roman" pitchFamily="18" charset="0"/>
                 <a:cs typeface="Times New Roman" pitchFamily="18" charset="0"/>
               </a:rPr>
-              <a:t>References/Links used		         7	</a:t>
+              <a:t>Conclusion	                                                    7</a:t>
+            </a:r>
+          </a:p>
+          <a:p>
+            <a:pPr marL="514350" indent="-514350">
+              <a:buFont typeface="+mj-lt"/>
+              <a:buAutoNum type="arabicPeriod"/>
+            </a:pPr>
+            <a:endParaRPr lang="en-US" sz="2000" dirty="0">
+              <a:latin typeface="Times New Roman" pitchFamily="18" charset="0"/>
+              <a:cs typeface="Times New Roman" pitchFamily="18" charset="0"/>
+            </a:endParaRPr>
+          </a:p>
+          <a:p>
+            <a:pPr marL="514350" indent="-514350">
+              <a:buFont typeface="+mj-lt"/>
+              <a:buAutoNum type="arabicPeriod"/>
+            </a:pPr>
+            <a:r>
+              <a:rPr lang="en-US" sz="2000" dirty="0">
+                <a:latin typeface="Times New Roman" pitchFamily="18" charset="0"/>
+                <a:cs typeface="Times New Roman" pitchFamily="18" charset="0"/>
+              </a:rPr>
+              <a:t>References/Links used		         8	</a:t>
             </a:r>
           </a:p>
           <a:p>
@@ -3124,7 +3559,7 @@
         </p:nvSpPr>
         <p:spPr>
           <a:xfrm>
-            <a:off x="323528" y="764704"/>
+            <a:off x="323528" y="845423"/>
             <a:ext cx="8136904" cy="7294305"/>
           </a:xfrm>
           <a:prstGeom prst="rect">
@@ -3486,11 +3921,18 @@
               <a:buAutoNum type="arabicPeriod"/>
             </a:pPr>
             <a:r>
+              <a:rPr lang="en-US" b="1" dirty="0">
+                <a:latin typeface="Times New Roman" panose="02020603050405020304" pitchFamily="18" charset="0"/>
+                <a:cs typeface="Times New Roman" panose="02020603050405020304" pitchFamily="18" charset="0"/>
+              </a:rPr>
+              <a:t>Navigation bar</a:t>
+            </a:r>
+            <a:r>
               <a:rPr lang="en-US" dirty="0">
                 <a:latin typeface="Times New Roman" panose="02020603050405020304" pitchFamily="18" charset="0"/>
                 <a:cs typeface="Times New Roman" panose="02020603050405020304" pitchFamily="18" charset="0"/>
               </a:rPr>
-              <a:t>Navigation bar that allows users to easily access different sections of the page.</a:t>
+              <a:t> that allows users to easily access different sections of the page.</a:t>
             </a:r>
           </a:p>
           <a:p>
@@ -3509,11 +3951,18 @@
               <a:buAutoNum type="arabicPeriod"/>
             </a:pPr>
             <a:r>
+              <a:rPr lang="en-US" b="1" dirty="0">
+                <a:latin typeface="Times New Roman" panose="02020603050405020304" pitchFamily="18" charset="0"/>
+                <a:cs typeface="Times New Roman" panose="02020603050405020304" pitchFamily="18" charset="0"/>
+              </a:rPr>
+              <a:t>Multimedia content</a:t>
+            </a:r>
+            <a:r>
               <a:rPr lang="en-US" dirty="0">
                 <a:latin typeface="Times New Roman" panose="02020603050405020304" pitchFamily="18" charset="0"/>
                 <a:cs typeface="Times New Roman" panose="02020603050405020304" pitchFamily="18" charset="0"/>
               </a:rPr>
-              <a:t>Multimedia content, such as images and videos, that enrich the presentation of information.</a:t>
+              <a:t>, such as images and videos, that enrich the presentation of information.</a:t>
             </a:r>
           </a:p>
           <a:p>
@@ -3532,11 +3981,18 @@
               <a:buAutoNum type="arabicPeriod"/>
             </a:pPr>
             <a:r>
+              <a:rPr lang="en-US" b="1" dirty="0">
+                <a:latin typeface="Times New Roman" panose="02020603050405020304" pitchFamily="18" charset="0"/>
+                <a:cs typeface="Times New Roman" panose="02020603050405020304" pitchFamily="18" charset="0"/>
+              </a:rPr>
+              <a:t>Interactive elements</a:t>
+            </a:r>
+            <a:r>
               <a:rPr lang="en-US" dirty="0">
                 <a:latin typeface="Times New Roman" panose="02020603050405020304" pitchFamily="18" charset="0"/>
                 <a:cs typeface="Times New Roman" panose="02020603050405020304" pitchFamily="18" charset="0"/>
               </a:rPr>
-              <a:t>Interactive elements, such as buttons and hover effects, that enhance the user experience.</a:t>
+              <a:t>, such as buttons and hover effects, that enhance the user experience.</a:t>
             </a:r>
           </a:p>
           <a:p>
@@ -3555,11 +4011,18 @@
               <a:buAutoNum type="arabicPeriod"/>
             </a:pPr>
             <a:r>
+              <a:rPr lang="en-US" b="1" dirty="0">
+                <a:latin typeface="Times New Roman" panose="02020603050405020304" pitchFamily="18" charset="0"/>
+                <a:cs typeface="Times New Roman" panose="02020603050405020304" pitchFamily="18" charset="0"/>
+              </a:rPr>
+              <a:t>Use of appropriate fonts, colors, and visual design</a:t>
+            </a:r>
+            <a:r>
               <a:rPr lang="en-US" dirty="0">
                 <a:latin typeface="Times New Roman" panose="02020603050405020304" pitchFamily="18" charset="0"/>
                 <a:cs typeface="Times New Roman" panose="02020603050405020304" pitchFamily="18" charset="0"/>
               </a:rPr>
-              <a:t>Use of appropriate fonts, colors, and visual design choices that align with the theme and tone of the tribute page.</a:t>
+              <a:t> choices that align with the theme and tone of the tribute page.</a:t>
             </a:r>
           </a:p>
           <a:p>
@@ -3578,11 +4041,18 @@
               <a:buAutoNum type="arabicPeriod"/>
             </a:pPr>
             <a:r>
+              <a:rPr lang="en-US" b="1" dirty="0">
+                <a:latin typeface="Times New Roman" panose="02020603050405020304" pitchFamily="18" charset="0"/>
+                <a:cs typeface="Times New Roman" panose="02020603050405020304" pitchFamily="18" charset="0"/>
+              </a:rPr>
+              <a:t>Well-structured layout</a:t>
+            </a:r>
+            <a:r>
               <a:rPr lang="en-US" dirty="0">
                 <a:latin typeface="Times New Roman" panose="02020603050405020304" pitchFamily="18" charset="0"/>
                 <a:cs typeface="Times New Roman" panose="02020603050405020304" pitchFamily="18" charset="0"/>
               </a:rPr>
-              <a:t>Well-structured layout that organizes information into meaningful sections and makes it easy to read and understand.</a:t>
+              <a:t> that organizes information into meaningful sections and makes it easy to read and understand.</a:t>
             </a:r>
           </a:p>
           <a:p>
@@ -3601,11 +4071,18 @@
               <a:buAutoNum type="arabicPeriod"/>
             </a:pPr>
             <a:r>
+              <a:rPr lang="en-US" b="1" dirty="0">
+                <a:latin typeface="Times New Roman" panose="02020603050405020304" pitchFamily="18" charset="0"/>
+                <a:cs typeface="Times New Roman" panose="02020603050405020304" pitchFamily="18" charset="0"/>
+              </a:rPr>
+              <a:t>Accurate and well-researched content</a:t>
+            </a:r>
+            <a:r>
               <a:rPr lang="en-US" dirty="0">
                 <a:latin typeface="Times New Roman" panose="02020603050405020304" pitchFamily="18" charset="0"/>
                 <a:cs typeface="Times New Roman" panose="02020603050405020304" pitchFamily="18" charset="0"/>
               </a:rPr>
-              <a:t>Accurate and well-researched content that provides an informative and engaging tribute to the person or entity being honored.</a:t>
+              <a:t> that provides an informative and engaging tribute to the person or entity being honored.</a:t>
             </a:r>
           </a:p>
           <a:p>
@@ -3624,11 +4101,18 @@
               <a:buAutoNum type="arabicPeriod"/>
             </a:pPr>
             <a:r>
+              <a:rPr lang="en-US" b="1" dirty="0">
+                <a:latin typeface="Times New Roman" panose="02020603050405020304" pitchFamily="18" charset="0"/>
+                <a:cs typeface="Times New Roman" panose="02020603050405020304" pitchFamily="18" charset="0"/>
+              </a:rPr>
+              <a:t>Optimized page loading </a:t>
+            </a:r>
+            <a:r>
               <a:rPr lang="en-US" dirty="0">
                 <a:latin typeface="Times New Roman" panose="02020603050405020304" pitchFamily="18" charset="0"/>
                 <a:cs typeface="Times New Roman" panose="02020603050405020304" pitchFamily="18" charset="0"/>
               </a:rPr>
-              <a:t>Optimized page loading speed and performance to ensure a seamless user experience.</a:t>
+              <a:t>speed and performance to ensure a seamless user experience.</a:t>
             </a:r>
           </a:p>
         </p:txBody>
@@ -3764,11 +4248,18 @@
           <a:lstStyle/>
           <a:p>
             <a:r>
+              <a:rPr lang="en-IN" b="1" dirty="0">
+                <a:latin typeface="Times New Roman" panose="02020603050405020304" pitchFamily="18" charset="0"/>
+                <a:cs typeface="Times New Roman" panose="02020603050405020304" pitchFamily="18" charset="0"/>
+              </a:rPr>
+              <a:t>Interactive elements:</a:t>
+            </a:r>
+            <a:r>
               <a:rPr lang="en-IN" dirty="0">
                 <a:latin typeface="Times New Roman" panose="02020603050405020304" pitchFamily="18" charset="0"/>
                 <a:cs typeface="Times New Roman" panose="02020603050405020304" pitchFamily="18" charset="0"/>
               </a:rPr>
-              <a:t>Interactive elements: The project includes interactive elements such as buttons, hover effects, and transitions that enhance the user experience and make the tribute page more engaging.</a:t>
+              <a:t> The project includes interactive elements such as buttons, hover effects, and transitions that enhance the user experience and make the tribute page more engaging.</a:t>
             </a:r>
           </a:p>
           <a:p>
@@ -3779,11 +4270,18 @@
           </a:p>
           <a:p>
             <a:r>
+              <a:rPr lang="en-US" b="1" dirty="0">
+                <a:latin typeface="Times New Roman" panose="02020603050405020304" pitchFamily="18" charset="0"/>
+                <a:cs typeface="Times New Roman" panose="02020603050405020304" pitchFamily="18" charset="0"/>
+              </a:rPr>
+              <a:t>Code quality:</a:t>
+            </a:r>
+            <a:r>
               <a:rPr lang="en-US" dirty="0">
                 <a:latin typeface="Times New Roman" panose="02020603050405020304" pitchFamily="18" charset="0"/>
                 <a:cs typeface="Times New Roman" panose="02020603050405020304" pitchFamily="18" charset="0"/>
               </a:rPr>
-              <a:t>Code quality: The project demonstrates good coding practices, such as clean and organized code structure, proper use of HTML, CSS , </a:t>
+              <a:t> The project demonstrates good coding practices, such as clean and organized code structure, proper use of HTML, CSS , </a:t>
             </a:r>
             <a:r>
               <a:rPr lang="en-US" dirty="0" err="1">
@@ -3808,11 +4306,18 @@
           </a:p>
           <a:p>
             <a:r>
+              <a:rPr lang="en-US" b="1" dirty="0">
+                <a:latin typeface="Times New Roman" panose="02020603050405020304" pitchFamily="18" charset="0"/>
+                <a:cs typeface="Times New Roman" panose="02020603050405020304" pitchFamily="18" charset="0"/>
+              </a:rPr>
+              <a:t>Attention to detail:</a:t>
+            </a:r>
+            <a:r>
               <a:rPr lang="en-US" dirty="0">
                 <a:latin typeface="Times New Roman" panose="02020603050405020304" pitchFamily="18" charset="0"/>
                 <a:cs typeface="Times New Roman" panose="02020603050405020304" pitchFamily="18" charset="0"/>
               </a:rPr>
-              <a:t>Attention to detail: The project showcases a focus on the details, such as appropriate use of fonts, colors, and visual.</a:t>
+              <a:t> The project showcases a focus on the details, such as appropriate use of fonts, colors, and visual.</a:t>
             </a:r>
           </a:p>
           <a:p>
@@ -3823,11 +4328,18 @@
           </a:p>
           <a:p>
             <a:r>
+              <a:rPr lang="en-US" b="1" dirty="0">
+                <a:latin typeface="Times New Roman" panose="02020603050405020304" pitchFamily="18" charset="0"/>
+                <a:cs typeface="Times New Roman" panose="02020603050405020304" pitchFamily="18" charset="0"/>
+              </a:rPr>
+              <a:t>Google Fonts :</a:t>
+            </a:r>
+            <a:r>
               <a:rPr lang="en-US" dirty="0">
                 <a:latin typeface="Times New Roman" panose="02020603050405020304" pitchFamily="18" charset="0"/>
                 <a:cs typeface="Times New Roman" panose="02020603050405020304" pitchFamily="18" charset="0"/>
               </a:rPr>
-              <a:t>Google Fonts : Visually appealing fonts that are not commonly available on most users' devices.</a:t>
+              <a:t> Visually appealing fonts that are not commonly available on most users' devices.</a:t>
             </a:r>
           </a:p>
           <a:p>
@@ -3838,11 +4350,18 @@
           </a:p>
           <a:p>
             <a:r>
+              <a:rPr lang="en-US" b="1" dirty="0">
+                <a:latin typeface="Times New Roman" panose="02020603050405020304" pitchFamily="18" charset="0"/>
+                <a:cs typeface="Times New Roman" panose="02020603050405020304" pitchFamily="18" charset="0"/>
+              </a:rPr>
+              <a:t>Multimedia content:</a:t>
+            </a:r>
+            <a:r>
               <a:rPr lang="en-US" dirty="0">
                 <a:latin typeface="Times New Roman" panose="02020603050405020304" pitchFamily="18" charset="0"/>
                 <a:cs typeface="Times New Roman" panose="02020603050405020304" pitchFamily="18" charset="0"/>
               </a:rPr>
-              <a:t>Multimedia content: The project incorporates multimedia content such as images and videos that help to tell the story of the person being honored and bring the tribute page to life.</a:t>
+              <a:t> The project incorporates multimedia content such as images and videos that help to tell the story of the person being honored and bring the tribute page to life.</a:t>
             </a:r>
           </a:p>
           <a:p>
@@ -3937,14 +4456,20 @@
       </p:grpSpPr>
       <p:sp>
         <p:nvSpPr>
-          <p:cNvPr id="2" name="TextBox 1"/>
+          <p:cNvPr id="9" name="TextBox 8">
+            <a:extLst>
+              <a:ext uri="{FF2B5EF4-FFF2-40B4-BE49-F238E27FC236}">
+                <a16:creationId xmlns:a16="http://schemas.microsoft.com/office/drawing/2014/main" id="{EB2E3BCA-04AA-4913-B0F8-7A44704B9FF2}"/>
+              </a:ext>
+            </a:extLst>
+          </p:cNvPr>
           <p:cNvSpPr txBox="1"/>
           <p:nvPr/>
         </p:nvSpPr>
         <p:spPr>
           <a:xfrm>
-            <a:off x="467544" y="260648"/>
-            <a:ext cx="5400600" cy="584775"/>
+            <a:off x="395536" y="116632"/>
+            <a:ext cx="4600134" cy="584775"/>
           </a:xfrm>
           <a:prstGeom prst="rect">
             <a:avLst/>
@@ -3952,88 +4477,27 @@
           <a:noFill/>
         </p:spPr>
         <p:txBody>
-          <a:bodyPr wrap="square" rtlCol="0">
-            <a:spAutoFit/>
-          </a:bodyPr>
-          <a:lstStyle/>
-          <a:p>
-            <a:r>
-              <a:rPr lang="en-US" sz="3200" dirty="0">
-                <a:latin typeface="Times New Roman" pitchFamily="18" charset="0"/>
-                <a:cs typeface="Times New Roman" pitchFamily="18" charset="0"/>
-              </a:rPr>
-              <a:t>Conclusion</a:t>
-            </a:r>
-          </a:p>
-        </p:txBody>
-      </p:sp>
-      <p:sp>
-        <p:nvSpPr>
-          <p:cNvPr id="3" name="Rectangle 2"/>
-          <p:cNvSpPr/>
-          <p:nvPr/>
-        </p:nvSpPr>
-        <p:spPr>
-          <a:xfrm>
-            <a:off x="437084" y="1772816"/>
-            <a:ext cx="8136904" cy="3693319"/>
-          </a:xfrm>
-          <a:prstGeom prst="rect">
-            <a:avLst/>
-          </a:prstGeom>
-        </p:spPr>
-        <p:txBody>
           <a:bodyPr wrap="square">
             <a:spAutoFit/>
           </a:bodyPr>
           <a:lstStyle/>
           <a:p>
             <a:r>
-              <a:rPr lang="en-US" dirty="0">
+              <a:rPr lang="en-US" sz="3200" dirty="0">
                 <a:latin typeface="Times New Roman" pitchFamily="18" charset="0"/>
                 <a:cs typeface="Times New Roman" pitchFamily="18" charset="0"/>
               </a:rPr>
-              <a:t>In conclusion, the Tribute Page project provides an opportunity to honor and celebrate the life and achievements of a person who has made a significant impact in their field or community. By building a well-designed and engaging tribute page, we can create a lasting and memorable tribute that inspires and educates others.</a:t>
-            </a:r>
-          </a:p>
-          <a:p>
-            <a:endParaRPr lang="en-US" dirty="0">
-              <a:latin typeface="Times New Roman" pitchFamily="18" charset="0"/>
-              <a:cs typeface="Times New Roman" pitchFamily="18" charset="0"/>
-            </a:endParaRPr>
-          </a:p>
-          <a:p>
-            <a:r>
-              <a:rPr lang="en-US" dirty="0">
-                <a:latin typeface="Times New Roman" pitchFamily="18" charset="0"/>
-                <a:cs typeface="Times New Roman" pitchFamily="18" charset="0"/>
-              </a:rPr>
-              <a:t>Throughout the project, we can utilize a range of web development tools and techniques to create a tribute page that is visually appealing, interactive, and informative.</a:t>
-            </a:r>
-          </a:p>
-          <a:p>
-            <a:endParaRPr lang="en-US" dirty="0">
-              <a:latin typeface="Times New Roman" pitchFamily="18" charset="0"/>
-              <a:cs typeface="Times New Roman" pitchFamily="18" charset="0"/>
-            </a:endParaRPr>
-          </a:p>
-          <a:p>
-            <a:r>
-              <a:rPr lang="en-US" dirty="0">
-                <a:latin typeface="Times New Roman" pitchFamily="18" charset="0"/>
-                <a:cs typeface="Times New Roman" pitchFamily="18" charset="0"/>
-              </a:rPr>
-              <a:t>Ultimately, the Tribute Page project is a chance to showcase our web development skills and creativity while paying tribute to a deserving individual. It can be a rewarding and meaningful project that provides an opportunity to learn new skills, showcase our work, and create something that has a positive impact on others.</a:t>
-            </a:r>
-          </a:p>
-        </p:txBody>
-      </p:sp>
-      <p:sp>
-        <p:nvSpPr>
-          <p:cNvPr id="4" name="TextBox 3">
+              <a:t>Development Process</a:t>
+            </a:r>
+          </a:p>
+        </p:txBody>
+      </p:sp>
+      <p:sp>
+        <p:nvSpPr>
+          <p:cNvPr id="11" name="TextBox 10">
             <a:extLst>
               <a:ext uri="{FF2B5EF4-FFF2-40B4-BE49-F238E27FC236}">
-                <a16:creationId xmlns:a16="http://schemas.microsoft.com/office/drawing/2014/main" id="{56B8F8B6-BD7F-43F6-A733-0AC65DE75B2D}"/>
+                <a16:creationId xmlns:a16="http://schemas.microsoft.com/office/drawing/2014/main" id="{03FFB55B-2758-49F2-81C1-3CECC46DD055}"/>
               </a:ext>
             </a:extLst>
           </p:cNvPr>
@@ -4042,8 +4506,8 @@
         </p:nvSpPr>
         <p:spPr>
           <a:xfrm>
-            <a:off x="4211960" y="6420417"/>
-            <a:ext cx="1152128" cy="261610"/>
+            <a:off x="575556" y="1700808"/>
+            <a:ext cx="7992888" cy="4619854"/>
           </a:xfrm>
           <a:prstGeom prst="rect">
             <a:avLst/>
@@ -4051,19 +4515,160 @@
           <a:noFill/>
         </p:spPr>
         <p:txBody>
-          <a:bodyPr wrap="square" rtlCol="0">
+          <a:bodyPr wrap="square">
             <a:spAutoFit/>
           </a:bodyPr>
           <a:lstStyle/>
           <a:p>
-            <a:r>
-              <a:rPr lang="en-US" sz="1100" dirty="0">
+            <a:pPr marL="342900" indent="-342900" algn="l">
+              <a:lnSpc>
+                <a:spcPct val="150000"/>
+              </a:lnSpc>
+              <a:buFont typeface="+mj-lt"/>
+              <a:buAutoNum type="arabicPeriod"/>
+            </a:pPr>
+            <a:r>
+              <a:rPr lang="en-US" b="1" dirty="0"/>
+              <a:t>Requirement Analysis:</a:t>
+            </a:r>
+            <a:r>
+              <a:rPr lang="en-US" dirty="0"/>
+              <a:t> Gathered the project requirements and defined the scope and objectives.</a:t>
+            </a:r>
+          </a:p>
+          <a:p>
+            <a:pPr marL="342900" indent="-342900" algn="l">
+              <a:lnSpc>
+                <a:spcPct val="150000"/>
+              </a:lnSpc>
+              <a:buFont typeface="+mj-lt"/>
+              <a:buAutoNum type="arabicPeriod"/>
+            </a:pPr>
+            <a:r>
+              <a:rPr lang="en-US" b="1" dirty="0"/>
+              <a:t>Design and Wireframing: </a:t>
+            </a:r>
+            <a:r>
+              <a:rPr lang="en-US" dirty="0"/>
+              <a:t>Created wireframes and visual designs to plan the layout and user interface.</a:t>
+            </a:r>
+          </a:p>
+          <a:p>
+            <a:pPr marL="342900" indent="-342900" algn="l">
+              <a:lnSpc>
+                <a:spcPct val="150000"/>
+              </a:lnSpc>
+              <a:buFont typeface="+mj-lt"/>
+              <a:buAutoNum type="arabicPeriod"/>
+            </a:pPr>
+            <a:r>
+              <a:rPr lang="en-US" b="1" dirty="0"/>
+              <a:t>Front-end Development: </a:t>
+            </a:r>
+            <a:r>
+              <a:rPr lang="en-US" dirty="0"/>
+              <a:t>Implemented the project using HTML, CSS, and JavaScript to create the web pages and interactive features.</a:t>
+            </a:r>
+          </a:p>
+          <a:p>
+            <a:pPr marL="342900" indent="-342900" algn="l">
+              <a:lnSpc>
+                <a:spcPct val="150000"/>
+              </a:lnSpc>
+              <a:buFont typeface="+mj-lt"/>
+              <a:buAutoNum type="arabicPeriod"/>
+            </a:pPr>
+            <a:r>
+              <a:rPr lang="en-US" b="1" dirty="0"/>
+              <a:t>Content Creation: </a:t>
+            </a:r>
+            <a:r>
+              <a:rPr lang="en-US" dirty="0"/>
+              <a:t>Gathered information, images, and multimedia content for each personality to present comprehensive profiles.</a:t>
+            </a:r>
+          </a:p>
+          <a:p>
+            <a:pPr marL="342900" indent="-342900" algn="l">
+              <a:lnSpc>
+                <a:spcPct val="150000"/>
+              </a:lnSpc>
+              <a:buFont typeface="+mj-lt"/>
+              <a:buAutoNum type="arabicPeriod"/>
+            </a:pPr>
+            <a:r>
+              <a:rPr lang="en-US" b="1" dirty="0"/>
+              <a:t>Testing and Bug Fixing:</a:t>
+            </a:r>
+            <a:r>
+              <a:rPr lang="en-US" dirty="0"/>
+              <a:t> Conducted thorough testing to ensure the functionality and responsiveness of the project across different devices and browsers.</a:t>
+            </a:r>
+            <a:endParaRPr lang="en-US" b="1" dirty="0"/>
+          </a:p>
+          <a:p>
+            <a:pPr marL="342900" indent="-342900" algn="l">
+              <a:lnSpc>
+                <a:spcPct val="150000"/>
+              </a:lnSpc>
+              <a:buFont typeface="+mj-lt"/>
+              <a:buAutoNum type="arabicPeriod"/>
+            </a:pPr>
+            <a:r>
+              <a:rPr lang="en-US" b="1" dirty="0"/>
+              <a:t>Deployment:</a:t>
+            </a:r>
+            <a:r>
+              <a:rPr lang="en-US" dirty="0"/>
+              <a:t> Hosted the project on a web server to make it accessible to users.</a:t>
+            </a:r>
+          </a:p>
+        </p:txBody>
+      </p:sp>
+      <p:sp>
+        <p:nvSpPr>
+          <p:cNvPr id="13" name="TextBox 12">
+            <a:extLst>
+              <a:ext uri="{FF2B5EF4-FFF2-40B4-BE49-F238E27FC236}">
+                <a16:creationId xmlns:a16="http://schemas.microsoft.com/office/drawing/2014/main" id="{B5F2180D-6EDD-4F1F-AD0B-91F28834414B}"/>
+              </a:ext>
+            </a:extLst>
+          </p:cNvPr>
+          <p:cNvSpPr txBox="1"/>
+          <p:nvPr/>
+        </p:nvSpPr>
+        <p:spPr>
+          <a:xfrm>
+            <a:off x="35990" y="1048960"/>
+            <a:ext cx="8738200" cy="1015663"/>
+          </a:xfrm>
+          <a:prstGeom prst="rect">
+            <a:avLst/>
+          </a:prstGeom>
+          <a:noFill/>
+        </p:spPr>
+        <p:txBody>
+          <a:bodyPr wrap="square">
+            <a:spAutoFit/>
+          </a:bodyPr>
+          <a:lstStyle/>
+          <a:p>
+            <a:pPr algn="l"/>
+            <a:r>
+              <a:rPr lang="en-US" sz="2000" i="1" dirty="0">
                 <a:latin typeface="Times New Roman" panose="02020603050405020304" pitchFamily="18" charset="0"/>
                 <a:cs typeface="Times New Roman" panose="02020603050405020304" pitchFamily="18" charset="0"/>
               </a:rPr>
-              <a:t>(6)</a:t>
-            </a:r>
-            <a:endParaRPr lang="en-IN" sz="1100" dirty="0">
+              <a:t>         The development of the Tribute Project involved the following steps :</a:t>
+            </a:r>
+          </a:p>
+          <a:p>
+            <a:br>
+              <a:rPr lang="en-US" sz="2000" dirty="0">
+                <a:latin typeface="Times New Roman" panose="02020603050405020304" pitchFamily="18" charset="0"/>
+                <a:cs typeface="Times New Roman" panose="02020603050405020304" pitchFamily="18" charset="0"/>
+              </a:rPr>
+            </a:br>
+            <a:endParaRPr lang="en-IN" sz="2000" dirty="0">
               <a:latin typeface="Times New Roman" panose="02020603050405020304" pitchFamily="18" charset="0"/>
               <a:cs typeface="Times New Roman" panose="02020603050405020304" pitchFamily="18" charset="0"/>
             </a:endParaRPr>
@@ -4071,6 +4676,11 @@
         </p:txBody>
       </p:sp>
     </p:spTree>
+    <p:extLst>
+      <p:ext uri="{BB962C8B-B14F-4D97-AF65-F5344CB8AC3E}">
+        <p14:creationId xmlns:p14="http://schemas.microsoft.com/office/powerpoint/2010/main" val="2140443484"/>
+      </p:ext>
+    </p:extLst>
   </p:cSld>
   <p:clrMapOvr>
     <a:masterClrMapping/>
@@ -4100,14 +4710,54 @@
       </p:grpSpPr>
       <p:sp>
         <p:nvSpPr>
-          <p:cNvPr id="2" name="TextBox 1"/>
+          <p:cNvPr id="2" name="Title 1">
+            <a:extLst>
+              <a:ext uri="{FF2B5EF4-FFF2-40B4-BE49-F238E27FC236}">
+                <a16:creationId xmlns:a16="http://schemas.microsoft.com/office/drawing/2014/main" id="{79377A88-5EE8-4308-AECB-5481DAD1F564}"/>
+              </a:ext>
+            </a:extLst>
+          </p:cNvPr>
+          <p:cNvSpPr>
+            <a:spLocks noGrp="1"/>
+          </p:cNvSpPr>
+          <p:nvPr>
+            <p:ph type="ctrTitle"/>
+          </p:nvPr>
+        </p:nvSpPr>
+        <p:spPr>
+          <a:xfrm>
+            <a:off x="-756592" y="1"/>
+            <a:ext cx="4824536" cy="914400"/>
+          </a:xfrm>
+        </p:spPr>
+        <p:txBody>
+          <a:bodyPr/>
+          <a:lstStyle/>
+          <a:p>
+            <a:r>
+              <a:rPr lang="en-US" b="0" dirty="0"/>
+              <a:t>Future Scopes</a:t>
+            </a:r>
+            <a:endParaRPr lang="en-IN" b="0" dirty="0"/>
+          </a:p>
+        </p:txBody>
+      </p:sp>
+      <p:sp>
+        <p:nvSpPr>
+          <p:cNvPr id="10" name="TextBox 9">
+            <a:extLst>
+              <a:ext uri="{FF2B5EF4-FFF2-40B4-BE49-F238E27FC236}">
+                <a16:creationId xmlns:a16="http://schemas.microsoft.com/office/drawing/2014/main" id="{7BA1651A-813E-4767-9BBD-73AC3AF5EA2C}"/>
+              </a:ext>
+            </a:extLst>
+          </p:cNvPr>
           <p:cNvSpPr txBox="1"/>
           <p:nvPr/>
         </p:nvSpPr>
         <p:spPr>
           <a:xfrm>
-            <a:off x="399108" y="116632"/>
-            <a:ext cx="5400600" cy="584775"/>
+            <a:off x="413538" y="998807"/>
+            <a:ext cx="8316924" cy="5859193"/>
           </a:xfrm>
           <a:prstGeom prst="rect">
             <a:avLst/>
@@ -4115,209 +4765,95 @@
           <a:noFill/>
         </p:spPr>
         <p:txBody>
-          <a:bodyPr wrap="square" rtlCol="0">
+          <a:bodyPr wrap="square">
             <a:spAutoFit/>
           </a:bodyPr>
           <a:lstStyle/>
           <a:p>
-            <a:r>
-              <a:rPr lang="en-US" sz="3200" dirty="0">
-                <a:latin typeface="Times New Roman" pitchFamily="18" charset="0"/>
-                <a:cs typeface="Times New Roman" pitchFamily="18" charset="0"/>
-              </a:rPr>
-              <a:t>References/Links used</a:t>
-            </a:r>
-          </a:p>
-        </p:txBody>
-      </p:sp>
-      <p:sp>
-        <p:nvSpPr>
-          <p:cNvPr id="4" name="TextBox 3">
-            <a:extLst>
-              <a:ext uri="{FF2B5EF4-FFF2-40B4-BE49-F238E27FC236}">
-                <a16:creationId xmlns:a16="http://schemas.microsoft.com/office/drawing/2014/main" id="{0A61EA2A-9C16-4F6F-8B7B-17B585ABF9F2}"/>
-              </a:ext>
-            </a:extLst>
-          </p:cNvPr>
-          <p:cNvSpPr txBox="1"/>
-          <p:nvPr/>
-        </p:nvSpPr>
-        <p:spPr>
-          <a:xfrm>
-            <a:off x="4211960" y="6420417"/>
-            <a:ext cx="1152128" cy="261610"/>
-          </a:xfrm>
-          <a:prstGeom prst="rect">
-            <a:avLst/>
-          </a:prstGeom>
-          <a:noFill/>
-        </p:spPr>
-        <p:txBody>
-          <a:bodyPr wrap="square" rtlCol="0">
-            <a:spAutoFit/>
-          </a:bodyPr>
-          <a:lstStyle/>
-          <a:p>
-            <a:r>
-              <a:rPr lang="en-US" sz="1100" dirty="0">
-                <a:latin typeface="Times New Roman" panose="02020603050405020304" pitchFamily="18" charset="0"/>
-                <a:cs typeface="Times New Roman" panose="02020603050405020304" pitchFamily="18" charset="0"/>
-              </a:rPr>
-              <a:t>(7)</a:t>
-            </a:r>
-            <a:endParaRPr lang="en-IN" sz="1100" dirty="0">
-              <a:latin typeface="Times New Roman" panose="02020603050405020304" pitchFamily="18" charset="0"/>
-              <a:cs typeface="Times New Roman" panose="02020603050405020304" pitchFamily="18" charset="0"/>
-            </a:endParaRPr>
-          </a:p>
-        </p:txBody>
-      </p:sp>
-      <p:sp>
-        <p:nvSpPr>
-          <p:cNvPr id="5" name="TextBox 4">
-            <a:extLst>
-              <a:ext uri="{FF2B5EF4-FFF2-40B4-BE49-F238E27FC236}">
-                <a16:creationId xmlns:a16="http://schemas.microsoft.com/office/drawing/2014/main" id="{9CB7CBEC-BF4D-4E21-8982-C2E25AEE9BA8}"/>
-              </a:ext>
-            </a:extLst>
-          </p:cNvPr>
-          <p:cNvSpPr txBox="1"/>
-          <p:nvPr/>
-        </p:nvSpPr>
-        <p:spPr>
-          <a:xfrm>
-            <a:off x="397372" y="2086353"/>
-            <a:ext cx="7845300" cy="4247317"/>
-          </a:xfrm>
-          <a:prstGeom prst="rect">
-            <a:avLst/>
-          </a:prstGeom>
-          <a:noFill/>
-        </p:spPr>
-        <p:txBody>
-          <a:bodyPr wrap="square" rtlCol="0">
-            <a:spAutoFit/>
-          </a:bodyPr>
-          <a:lstStyle/>
-          <a:p>
-            <a:pPr marL="342900" indent="-342900">
-              <a:buFont typeface="Arial" panose="020B0604020202020204" pitchFamily="34" charset="0"/>
-              <a:buChar char="•"/>
-            </a:pPr>
-            <a:r>
-              <a:rPr lang="en-IN" dirty="0">
-                <a:hlinkClick r:id="rId2"/>
-              </a:rPr>
-              <a:t>https://en.wikipedia.org/wiki/List_of_awards_and_honours_received_by_A._P._J._Abdul_Kalam</a:t>
-            </a:r>
-            <a:endParaRPr lang="en-IN" dirty="0"/>
-          </a:p>
-          <a:p>
-            <a:pPr marL="342900" indent="-342900">
-              <a:buFont typeface="Arial" panose="020B0604020202020204" pitchFamily="34" charset="0"/>
-              <a:buChar char="•"/>
-            </a:pPr>
-            <a:endParaRPr lang="en-IN" dirty="0"/>
-          </a:p>
-          <a:p>
-            <a:pPr marL="342900" indent="-342900">
-              <a:buFont typeface="Arial" panose="020B0604020202020204" pitchFamily="34" charset="0"/>
-              <a:buChar char="•"/>
-            </a:pPr>
-            <a:r>
-              <a:rPr lang="en-IN" dirty="0">
-                <a:hlinkClick r:id="rId3"/>
-              </a:rPr>
-              <a:t>https://en.wikipedia.org/wiki/A._P._J._Abdul_Kalam</a:t>
-            </a:r>
-            <a:endParaRPr lang="en-IN" dirty="0"/>
-          </a:p>
-          <a:p>
-            <a:pPr marL="342900" indent="-342900">
-              <a:buFont typeface="Arial" panose="020B0604020202020204" pitchFamily="34" charset="0"/>
-              <a:buChar char="•"/>
-            </a:pPr>
-            <a:endParaRPr lang="en-IN" dirty="0"/>
-          </a:p>
-          <a:p>
-            <a:pPr marL="342900" indent="-342900">
-              <a:buFont typeface="Arial" panose="020B0604020202020204" pitchFamily="34" charset="0"/>
-              <a:buChar char="•"/>
-            </a:pPr>
-            <a:r>
-              <a:rPr lang="en-IN" dirty="0">
-                <a:hlinkClick r:id="rId4"/>
-              </a:rPr>
-              <a:t>https://learn.culturalindia.net/a-p-j-abdul-kalam.html</a:t>
-            </a:r>
-            <a:endParaRPr lang="en-IN" dirty="0"/>
-          </a:p>
-          <a:p>
-            <a:pPr marL="342900" indent="-342900">
-              <a:buFont typeface="Arial" panose="020B0604020202020204" pitchFamily="34" charset="0"/>
-              <a:buChar char="•"/>
-            </a:pPr>
-            <a:endParaRPr lang="en-IN" dirty="0"/>
-          </a:p>
-          <a:p>
-            <a:pPr marL="342900" indent="-342900">
-              <a:buFont typeface="Arial" panose="020B0604020202020204" pitchFamily="34" charset="0"/>
-              <a:buChar char="•"/>
-            </a:pPr>
-            <a:r>
-              <a:rPr lang="en-IN" dirty="0">
-                <a:hlinkClick r:id="rId5"/>
-              </a:rPr>
-              <a:t>https://www.britannica.com/biography/A-P-J-Abdul-Kalam</a:t>
-            </a:r>
-            <a:endParaRPr lang="en-IN" dirty="0"/>
-          </a:p>
-          <a:p>
-            <a:pPr marL="342900" indent="-342900">
-              <a:buFont typeface="Arial" panose="020B0604020202020204" pitchFamily="34" charset="0"/>
-              <a:buChar char="•"/>
-            </a:pPr>
-            <a:endParaRPr lang="en-IN" dirty="0"/>
-          </a:p>
-          <a:p>
-            <a:pPr marL="342900" indent="-342900">
-              <a:buFont typeface="Arial" panose="020B0604020202020204" pitchFamily="34" charset="0"/>
-              <a:buChar char="•"/>
-            </a:pPr>
-            <a:r>
-              <a:rPr lang="en-IN" dirty="0">
-                <a:hlinkClick r:id="rId6"/>
-              </a:rPr>
-              <a:t>https://www.thefamouspeople.com/profiles/a-p-j-abdul-kalam-590.php</a:t>
-            </a:r>
-            <a:endParaRPr lang="en-IN" dirty="0"/>
-          </a:p>
-          <a:p>
-            <a:endParaRPr lang="en-IN" dirty="0"/>
-          </a:p>
-          <a:p>
-            <a:endParaRPr lang="en-IN" dirty="0"/>
-          </a:p>
-          <a:p>
-            <a:endParaRPr lang="en-IN" dirty="0"/>
-          </a:p>
-          <a:p>
-            <a:pPr marL="342900" indent="-342900">
-              <a:buFont typeface="Arial" panose="020B0604020202020204" pitchFamily="34" charset="0"/>
-              <a:buChar char="•"/>
-            </a:pPr>
-            <a:endParaRPr lang="en-IN" dirty="0"/>
-          </a:p>
-          <a:p>
-            <a:pPr marL="342900" indent="-342900">
-              <a:buFont typeface="Arial" panose="020B0604020202020204" pitchFamily="34" charset="0"/>
-              <a:buChar char="•"/>
-            </a:pPr>
-            <a:endParaRPr lang="en-IN" dirty="0"/>
+            <a:pPr algn="l">
+              <a:buFont typeface="+mj-lt"/>
+              <a:buAutoNum type="arabicPeriod"/>
+            </a:pPr>
+            <a:r>
+              <a:rPr lang="en-US" sz="1900" b="1" dirty="0"/>
+              <a:t> Adding More Personalities:</a:t>
+            </a:r>
+            <a:r>
+              <a:rPr lang="en-US" sz="1900" dirty="0"/>
+              <a:t> We can extend the tribute project by including more personalities or legends in various fields like science, literature, sports, music, etc. This allows you to pay tribute to a broader range of influential individuals.</a:t>
+            </a:r>
+          </a:p>
+          <a:p>
+            <a:pPr algn="l">
+              <a:buFont typeface="+mj-lt"/>
+              <a:buAutoNum type="arabicPeriod"/>
+            </a:pPr>
+            <a:endParaRPr lang="en-US" sz="1900" dirty="0"/>
+          </a:p>
+          <a:p>
+            <a:pPr algn="l">
+              <a:buFont typeface="+mj-lt"/>
+              <a:buAutoNum type="arabicPeriod"/>
+            </a:pPr>
+            <a:r>
+              <a:rPr lang="en-US" sz="1900" b="1" dirty="0"/>
+              <a:t> Social Sharing and Community Engagement:</a:t>
+            </a:r>
+            <a:r>
+              <a:rPr lang="en-US" sz="1900" dirty="0"/>
+              <a:t> Implementing social sharing functionality allows users to share the tribute project on various social media platforms, spreading awareness and attracting more visitors. Additionally, creating a community section where users can contribute their stories, memories, or personal experiences related to the personalities can foster engagement and collaboration.</a:t>
+            </a:r>
+          </a:p>
+          <a:p>
+            <a:pPr algn="l">
+              <a:buFont typeface="+mj-lt"/>
+              <a:buAutoNum type="arabicPeriod"/>
+            </a:pPr>
+            <a:endParaRPr lang="en-US" sz="1900" dirty="0"/>
+          </a:p>
+          <a:p>
+            <a:pPr algn="l">
+              <a:buFont typeface="+mj-lt"/>
+              <a:buAutoNum type="arabicPeriod"/>
+            </a:pPr>
+            <a:r>
+              <a:rPr lang="en-US" sz="1900" b="1" dirty="0"/>
+              <a:t> Localization and Multiple Languages:</a:t>
+            </a:r>
+            <a:r>
+              <a:rPr lang="en-US" sz="1900" dirty="0"/>
+              <a:t> To reach a wider audience, we can consider adding support for multiple languages, enabling users to switch between different language options. This localization effort can help people from diverse backgrounds access and appreciate the tribute project.</a:t>
+            </a:r>
+          </a:p>
+          <a:p>
+            <a:pPr algn="l">
+              <a:buFont typeface="+mj-lt"/>
+              <a:buAutoNum type="arabicPeriod"/>
+            </a:pPr>
+            <a:endParaRPr lang="en-US" sz="1900" dirty="0"/>
+          </a:p>
+          <a:p>
+            <a:pPr algn="l">
+              <a:buFont typeface="+mj-lt"/>
+              <a:buAutoNum type="arabicPeriod"/>
+            </a:pPr>
+            <a:r>
+              <a:rPr lang="en-US" sz="1900" b="1" dirty="0"/>
+              <a:t> Responsive Design and Mobile Compatibility:</a:t>
+            </a:r>
+            <a:r>
+              <a:rPr lang="en-US" sz="1900" dirty="0"/>
+              <a:t> Optimize the tribute project for different screen sizes and devices, ensuring a seamless experience for users accessing it from various devices, including smartphones and tablets.</a:t>
+            </a:r>
           </a:p>
         </p:txBody>
       </p:sp>
     </p:spTree>
+    <p:extLst>
+      <p:ext uri="{BB962C8B-B14F-4D97-AF65-F5344CB8AC3E}">
+        <p14:creationId xmlns:p14="http://schemas.microsoft.com/office/powerpoint/2010/main" val="2065223893"/>
+      </p:ext>
+    </p:extLst>
   </p:cSld>
   <p:clrMapOvr>
     <a:masterClrMapping/>

--- a/Fee presentation.pptx
+++ b/Fee presentation.pptx
@@ -137,6 +137,107 @@
 <file path=ppt/changesInfos/changesInfo1.xml><?xml version="1.0" encoding="utf-8"?>
 <pc:chgInfo xmlns:a="http://schemas.openxmlformats.org/drawingml/2006/main" xmlns:r="http://schemas.openxmlformats.org/officeDocument/2006/relationships" xmlns:ac="http://schemas.microsoft.com/office/drawing/2013/main/command" xmlns:pc="http://schemas.microsoft.com/office/powerpoint/2013/main/command">
   <pc:docChgLst>
+    <pc:chgData name="Shunsuke ‎‎‎‎‎" userId="b513fa1e-2d0e-4785-9341-908e242f47b9" providerId="ADAL" clId="{29FE2511-7A2B-4534-A7C8-F78399E77FE1}"/>
+    <pc:docChg chg="modSld">
+      <pc:chgData name="Shunsuke ‎‎‎‎‎" userId="b513fa1e-2d0e-4785-9341-908e242f47b9" providerId="ADAL" clId="{29FE2511-7A2B-4534-A7C8-F78399E77FE1}" dt="2023-05-31T09:39:24.875" v="5"/>
+      <pc:docMkLst>
+        <pc:docMk/>
+      </pc:docMkLst>
+      <pc:sldChg chg="modSp mod">
+        <pc:chgData name="Shunsuke ‎‎‎‎‎" userId="b513fa1e-2d0e-4785-9341-908e242f47b9" providerId="ADAL" clId="{29FE2511-7A2B-4534-A7C8-F78399E77FE1}" dt="2023-05-31T09:39:06.911" v="2"/>
+        <pc:sldMkLst>
+          <pc:docMk/>
+          <pc:sldMk cId="0" sldId="271"/>
+        </pc:sldMkLst>
+        <pc:spChg chg="mod">
+          <ac:chgData name="Shunsuke ‎‎‎‎‎" userId="b513fa1e-2d0e-4785-9341-908e242f47b9" providerId="ADAL" clId="{29FE2511-7A2B-4534-A7C8-F78399E77FE1}" dt="2023-05-31T09:39:06.911" v="2"/>
+          <ac:spMkLst>
+            <pc:docMk/>
+            <pc:sldMk cId="0" sldId="271"/>
+            <ac:spMk id="4" creationId="{1F5041F9-FFDE-4477-9D7B-75B51B42399E}"/>
+          </ac:spMkLst>
+        </pc:spChg>
+      </pc:sldChg>
+      <pc:sldChg chg="modSp mod">
+        <pc:chgData name="Shunsuke ‎‎‎‎‎" userId="b513fa1e-2d0e-4785-9341-908e242f47b9" providerId="ADAL" clId="{29FE2511-7A2B-4534-A7C8-F78399E77FE1}" dt="2023-05-31T09:39:24.875" v="5"/>
+        <pc:sldMkLst>
+          <pc:docMk/>
+          <pc:sldMk cId="0" sldId="273"/>
+        </pc:sldMkLst>
+        <pc:spChg chg="mod">
+          <ac:chgData name="Shunsuke ‎‎‎‎‎" userId="b513fa1e-2d0e-4785-9341-908e242f47b9" providerId="ADAL" clId="{29FE2511-7A2B-4534-A7C8-F78399E77FE1}" dt="2023-05-31T09:39:24.875" v="5"/>
+          <ac:spMkLst>
+            <pc:docMk/>
+            <pc:sldMk cId="0" sldId="273"/>
+            <ac:spMk id="3" creationId="{00000000-0000-0000-0000-000000000000}"/>
+          </ac:spMkLst>
+        </pc:spChg>
+      </pc:sldChg>
+    </pc:docChg>
+  </pc:docChgLst>
+  <pc:docChgLst>
+    <pc:chgData name="Shunsuke ‎‎‎‎‎" userId="b513fa1e-2d0e-4785-9341-908e242f47b9" providerId="ADAL" clId="{D5AA6005-F808-4DD6-9AFA-C5AAC3B3D0CE}"/>
+    <pc:docChg chg="custSel delSld modSld">
+      <pc:chgData name="Shunsuke ‎‎‎‎‎" userId="b513fa1e-2d0e-4785-9341-908e242f47b9" providerId="ADAL" clId="{D5AA6005-F808-4DD6-9AFA-C5AAC3B3D0CE}" dt="2023-05-22T18:24:26.739" v="66" actId="20577"/>
+      <pc:docMkLst>
+        <pc:docMk/>
+      </pc:docMkLst>
+      <pc:sldChg chg="delSp modSp mod">
+        <pc:chgData name="Shunsuke ‎‎‎‎‎" userId="b513fa1e-2d0e-4785-9341-908e242f47b9" providerId="ADAL" clId="{D5AA6005-F808-4DD6-9AFA-C5AAC3B3D0CE}" dt="2023-05-22T18:24:04.706" v="42" actId="478"/>
+        <pc:sldMkLst>
+          <pc:docMk/>
+          <pc:sldMk cId="0" sldId="272"/>
+        </pc:sldMkLst>
+        <pc:spChg chg="mod">
+          <ac:chgData name="Shunsuke ‎‎‎‎‎" userId="b513fa1e-2d0e-4785-9341-908e242f47b9" providerId="ADAL" clId="{D5AA6005-F808-4DD6-9AFA-C5AAC3B3D0CE}" dt="2023-05-22T18:23:56.407" v="40" actId="20577"/>
+          <ac:spMkLst>
+            <pc:docMk/>
+            <pc:sldMk cId="0" sldId="272"/>
+            <ac:spMk id="3" creationId="{00000000-0000-0000-0000-000000000000}"/>
+          </ac:spMkLst>
+        </pc:spChg>
+        <pc:spChg chg="del">
+          <ac:chgData name="Shunsuke ‎‎‎‎‎" userId="b513fa1e-2d0e-4785-9341-908e242f47b9" providerId="ADAL" clId="{D5AA6005-F808-4DD6-9AFA-C5AAC3B3D0CE}" dt="2023-05-22T18:24:02.101" v="41" actId="478"/>
+          <ac:spMkLst>
+            <pc:docMk/>
+            <pc:sldMk cId="0" sldId="272"/>
+            <ac:spMk id="7" creationId="{C8E2A3F3-754F-4CFB-AC84-70AB25D0FDEF}"/>
+          </ac:spMkLst>
+        </pc:spChg>
+        <pc:spChg chg="del">
+          <ac:chgData name="Shunsuke ‎‎‎‎‎" userId="b513fa1e-2d0e-4785-9341-908e242f47b9" providerId="ADAL" clId="{D5AA6005-F808-4DD6-9AFA-C5AAC3B3D0CE}" dt="2023-05-22T18:24:04.706" v="42" actId="478"/>
+          <ac:spMkLst>
+            <pc:docMk/>
+            <pc:sldMk cId="0" sldId="272"/>
+            <ac:spMk id="8" creationId="{E00116D1-C860-4D51-8137-09F94BF3CA1C}"/>
+          </ac:spMkLst>
+        </pc:spChg>
+      </pc:sldChg>
+      <pc:sldChg chg="modSp mod">
+        <pc:chgData name="Shunsuke ‎‎‎‎‎" userId="b513fa1e-2d0e-4785-9341-908e242f47b9" providerId="ADAL" clId="{D5AA6005-F808-4DD6-9AFA-C5AAC3B3D0CE}" dt="2023-05-22T18:24:26.739" v="66" actId="20577"/>
+        <pc:sldMkLst>
+          <pc:docMk/>
+          <pc:sldMk cId="0" sldId="275"/>
+        </pc:sldMkLst>
+        <pc:spChg chg="mod">
+          <ac:chgData name="Shunsuke ‎‎‎‎‎" userId="b513fa1e-2d0e-4785-9341-908e242f47b9" providerId="ADAL" clId="{D5AA6005-F808-4DD6-9AFA-C5AAC3B3D0CE}" dt="2023-05-22T18:24:26.739" v="66" actId="20577"/>
+          <ac:spMkLst>
+            <pc:docMk/>
+            <pc:sldMk cId="0" sldId="275"/>
+            <ac:spMk id="7" creationId="{8B57E435-A87B-422E-9A18-E151E0D54DA1}"/>
+          </ac:spMkLst>
+        </pc:spChg>
+      </pc:sldChg>
+      <pc:sldChg chg="del">
+        <pc:chgData name="Shunsuke ‎‎‎‎‎" userId="b513fa1e-2d0e-4785-9341-908e242f47b9" providerId="ADAL" clId="{D5AA6005-F808-4DD6-9AFA-C5AAC3B3D0CE}" dt="2023-05-22T18:22:09.323" v="0" actId="2696"/>
+        <pc:sldMkLst>
+          <pc:docMk/>
+          <pc:sldMk cId="3569010666" sldId="280"/>
+        </pc:sldMkLst>
+      </pc:sldChg>
+    </pc:docChg>
+  </pc:docChgLst>
+  <pc:docChgLst>
     <pc:chgData name="Shunsuke ‎‎‎‎‎" userId="b513fa1e-2d0e-4785-9341-908e242f47b9" providerId="ADAL" clId="{E4520C43-E7D6-4FC7-A0E9-1D65DA7A86D1}"/>
     <pc:docChg chg="undo custSel modSld">
       <pc:chgData name="Shunsuke ‎‎‎‎‎" userId="b513fa1e-2d0e-4785-9341-908e242f47b9" providerId="ADAL" clId="{E4520C43-E7D6-4FC7-A0E9-1D65DA7A86D1}" dt="2023-05-03T19:52:09.841" v="51" actId="1035"/>
@@ -204,68 +305,6 @@
             <ac:picMk id="2052" creationId="{F9BEC253-7D2A-28D9-D0D4-059EB75B6E99}"/>
           </ac:picMkLst>
         </pc:picChg>
-      </pc:sldChg>
-    </pc:docChg>
-  </pc:docChgLst>
-  <pc:docChgLst>
-    <pc:chgData name="Shunsuke ‎‎‎‎‎" userId="b513fa1e-2d0e-4785-9341-908e242f47b9" providerId="ADAL" clId="{D5AA6005-F808-4DD6-9AFA-C5AAC3B3D0CE}"/>
-    <pc:docChg chg="custSel delSld modSld">
-      <pc:chgData name="Shunsuke ‎‎‎‎‎" userId="b513fa1e-2d0e-4785-9341-908e242f47b9" providerId="ADAL" clId="{D5AA6005-F808-4DD6-9AFA-C5AAC3B3D0CE}" dt="2023-05-22T18:24:26.739" v="66" actId="20577"/>
-      <pc:docMkLst>
-        <pc:docMk/>
-      </pc:docMkLst>
-      <pc:sldChg chg="delSp modSp mod">
-        <pc:chgData name="Shunsuke ‎‎‎‎‎" userId="b513fa1e-2d0e-4785-9341-908e242f47b9" providerId="ADAL" clId="{D5AA6005-F808-4DD6-9AFA-C5AAC3B3D0CE}" dt="2023-05-22T18:24:04.706" v="42" actId="478"/>
-        <pc:sldMkLst>
-          <pc:docMk/>
-          <pc:sldMk cId="0" sldId="272"/>
-        </pc:sldMkLst>
-        <pc:spChg chg="mod">
-          <ac:chgData name="Shunsuke ‎‎‎‎‎" userId="b513fa1e-2d0e-4785-9341-908e242f47b9" providerId="ADAL" clId="{D5AA6005-F808-4DD6-9AFA-C5AAC3B3D0CE}" dt="2023-05-22T18:23:56.407" v="40" actId="20577"/>
-          <ac:spMkLst>
-            <pc:docMk/>
-            <pc:sldMk cId="0" sldId="272"/>
-            <ac:spMk id="3" creationId="{00000000-0000-0000-0000-000000000000}"/>
-          </ac:spMkLst>
-        </pc:spChg>
-        <pc:spChg chg="del">
-          <ac:chgData name="Shunsuke ‎‎‎‎‎" userId="b513fa1e-2d0e-4785-9341-908e242f47b9" providerId="ADAL" clId="{D5AA6005-F808-4DD6-9AFA-C5AAC3B3D0CE}" dt="2023-05-22T18:24:02.101" v="41" actId="478"/>
-          <ac:spMkLst>
-            <pc:docMk/>
-            <pc:sldMk cId="0" sldId="272"/>
-            <ac:spMk id="7" creationId="{C8E2A3F3-754F-4CFB-AC84-70AB25D0FDEF}"/>
-          </ac:spMkLst>
-        </pc:spChg>
-        <pc:spChg chg="del">
-          <ac:chgData name="Shunsuke ‎‎‎‎‎" userId="b513fa1e-2d0e-4785-9341-908e242f47b9" providerId="ADAL" clId="{D5AA6005-F808-4DD6-9AFA-C5AAC3B3D0CE}" dt="2023-05-22T18:24:04.706" v="42" actId="478"/>
-          <ac:spMkLst>
-            <pc:docMk/>
-            <pc:sldMk cId="0" sldId="272"/>
-            <ac:spMk id="8" creationId="{E00116D1-C860-4D51-8137-09F94BF3CA1C}"/>
-          </ac:spMkLst>
-        </pc:spChg>
-      </pc:sldChg>
-      <pc:sldChg chg="modSp mod">
-        <pc:chgData name="Shunsuke ‎‎‎‎‎" userId="b513fa1e-2d0e-4785-9341-908e242f47b9" providerId="ADAL" clId="{D5AA6005-F808-4DD6-9AFA-C5AAC3B3D0CE}" dt="2023-05-22T18:24:26.739" v="66" actId="20577"/>
-        <pc:sldMkLst>
-          <pc:docMk/>
-          <pc:sldMk cId="0" sldId="275"/>
-        </pc:sldMkLst>
-        <pc:spChg chg="mod">
-          <ac:chgData name="Shunsuke ‎‎‎‎‎" userId="b513fa1e-2d0e-4785-9341-908e242f47b9" providerId="ADAL" clId="{D5AA6005-F808-4DD6-9AFA-C5AAC3B3D0CE}" dt="2023-05-22T18:24:26.739" v="66" actId="20577"/>
-          <ac:spMkLst>
-            <pc:docMk/>
-            <pc:sldMk cId="0" sldId="275"/>
-            <ac:spMk id="7" creationId="{8B57E435-A87B-422E-9A18-E151E0D54DA1}"/>
-          </ac:spMkLst>
-        </pc:spChg>
-      </pc:sldChg>
-      <pc:sldChg chg="del">
-        <pc:chgData name="Shunsuke ‎‎‎‎‎" userId="b513fa1e-2d0e-4785-9341-908e242f47b9" providerId="ADAL" clId="{D5AA6005-F808-4DD6-9AFA-C5AAC3B3D0CE}" dt="2023-05-22T18:22:09.323" v="0" actId="2696"/>
-        <pc:sldMkLst>
-          <pc:docMk/>
-          <pc:sldMk cId="3569010666" sldId="280"/>
-        </pc:sldMkLst>
       </pc:sldChg>
     </pc:docChg>
   </pc:docChgLst>
@@ -465,7 +504,7 @@
             <a:fld id="{1D5BB0C6-8FC1-47C0-B737-D54E21B5B868}" type="datetimeFigureOut">
               <a:rPr lang="en-US" smtClean="0"/>
               <a:pPr/>
-              <a:t>5/30/2023</a:t>
+              <a:t>5/31/2023</a:t>
             </a:fld>
             <a:endParaRPr lang="en-US"/>
           </a:p>
@@ -882,7 +921,7 @@
             <a:fld id="{1D5BB0C6-8FC1-47C0-B737-D54E21B5B868}" type="datetimeFigureOut">
               <a:rPr lang="en-US" smtClean="0"/>
               <a:pPr/>
-              <a:t>5/30/2023</a:t>
+              <a:t>5/31/2023</a:t>
             </a:fld>
             <a:endParaRPr lang="en-US"/>
           </a:p>
@@ -985,7 +1024,7 @@
             <a:fld id="{1D5BB0C6-8FC1-47C0-B737-D54E21B5B868}" type="datetimeFigureOut">
               <a:rPr lang="en-US" smtClean="0"/>
               <a:pPr/>
-              <a:t>5/30/2023</a:t>
+              <a:t>5/31/2023</a:t>
             </a:fld>
             <a:endParaRPr lang="en-US"/>
           </a:p>
@@ -1222,7 +1261,7 @@
             <a:fld id="{1D5BB0C6-8FC1-47C0-B737-D54E21B5B868}" type="datetimeFigureOut">
               <a:rPr lang="en-US" smtClean="0"/>
               <a:pPr/>
-              <a:t>5/30/2023</a:t>
+              <a:t>5/31/2023</a:t>
             </a:fld>
             <a:endParaRPr lang="en-US"/>
           </a:p>
@@ -3260,7 +3299,7 @@
         <p:spPr>
           <a:xfrm>
             <a:off x="745094" y="2132856"/>
-            <a:ext cx="7704856" cy="2862322"/>
+            <a:ext cx="7704856" cy="3277820"/>
           </a:xfrm>
           <a:prstGeom prst="rect">
             <a:avLst/>
@@ -3273,28 +3312,53 @@
           </a:bodyPr>
           <a:lstStyle/>
           <a:p>
-            <a:r>
-              <a:rPr lang="en-US" dirty="0">
+            <a:pPr marL="0" marR="0">
+              <a:lnSpc>
+                <a:spcPct val="150000"/>
+              </a:lnSpc>
+              <a:spcBef>
+                <a:spcPts val="0"/>
+              </a:spcBef>
+              <a:spcAft>
+                <a:spcPts val="0"/>
+              </a:spcAft>
+            </a:pPr>
+            <a:r>
+              <a:rPr lang="en-US" sz="1800" b="1" u="none" strike="noStrike" dirty="0">
+                <a:effectLst/>
                 <a:latin typeface="Times New Roman" panose="02020603050405020304" pitchFamily="18" charset="0"/>
-                <a:cs typeface="Times New Roman" panose="02020603050405020304" pitchFamily="18" charset="0"/>
-              </a:rPr>
-              <a:t>A tribute page of Dr. APJ Abdul Kalam. The page honors the life and legacy of this renowned Indian scientist and politician who served as the 11th President of India from 2002 to 2007. The page includes information about Dr. Kalam's early life, education, career and achievements .Using HTML and CSS designed an attractive layout and  incorporated images to create an engaging and informative user experience.</a:t>
-            </a:r>
-          </a:p>
-          <a:p>
-            <a:endParaRPr lang="en-US" dirty="0">
+                <a:ea typeface="Times New Roman" panose="02020603050405020304" pitchFamily="18" charset="0"/>
+              </a:rPr>
+              <a:t> </a:t>
+            </a:r>
+            <a:endParaRPr lang="en-US" sz="1800" dirty="0">
+              <a:effectLst/>
               <a:latin typeface="Times New Roman" panose="02020603050405020304" pitchFamily="18" charset="0"/>
-              <a:cs typeface="Times New Roman" panose="02020603050405020304" pitchFamily="18" charset="0"/>
+              <a:ea typeface="Times New Roman" panose="02020603050405020304" pitchFamily="18" charset="0"/>
             </a:endParaRPr>
           </a:p>
           <a:p>
-            <a:r>
-              <a:rPr lang="en-US" dirty="0">
+            <a:pPr marL="0" marR="0">
+              <a:lnSpc>
+                <a:spcPct val="150000"/>
+              </a:lnSpc>
+              <a:spcBef>
+                <a:spcPts val="0"/>
+              </a:spcBef>
+              <a:spcAft>
+                <a:spcPts val="0"/>
+              </a:spcAft>
+            </a:pPr>
+            <a:r>
+              <a:rPr lang="en-US" sz="1800" dirty="0">
+                <a:effectLst/>
                 <a:latin typeface="Times New Roman" panose="02020603050405020304" pitchFamily="18" charset="0"/>
-                <a:cs typeface="Times New Roman" panose="02020603050405020304" pitchFamily="18" charset="0"/>
-              </a:rPr>
-              <a:t>Throughout this presentation, We'll take you through the different sections of the tribute page and explain the design choices and coding techniques we used. We hope you enjoy learning about Dr. Kalam and the project we created in his honor.</a:t>
-            </a:r>
+                <a:ea typeface="Times New Roman" panose="02020603050405020304" pitchFamily="18" charset="0"/>
+              </a:rPr>
+              <a:t>The Tribute Project is a web-based platform that aims to pay homage and honor influential personalities who have made significant contributions to their respective fields. The project provides an interactive and informative experience for users to explore the lives, achievements, and impact of these legends. The purpose of this project report is to provide an overview of the project's objectives, features, development process, challenges faced, and future prospects.</a:t>
+            </a:r>
+          </a:p>
+          <a:p>
             <a:endParaRPr lang="en-IN" dirty="0">
               <a:latin typeface="Times New Roman" panose="02020603050405020304" pitchFamily="18" charset="0"/>
               <a:cs typeface="Times New Roman" panose="02020603050405020304" pitchFamily="18" charset="0"/>
@@ -3413,7 +3477,7 @@
         <p:spPr>
           <a:xfrm>
             <a:off x="503548" y="2274838"/>
-            <a:ext cx="8136904" cy="2308324"/>
+            <a:ext cx="8136904" cy="3139321"/>
           </a:xfrm>
           <a:prstGeom prst="rect">
             <a:avLst/>
@@ -3426,26 +3490,40 @@
           <a:lstStyle/>
           <a:p>
             <a:r>
-              <a:rPr lang="en-US" dirty="0">
-                <a:latin typeface="Times New Roman" pitchFamily="18" charset="0"/>
-                <a:cs typeface="Times New Roman" pitchFamily="18" charset="0"/>
-              </a:rPr>
-              <a:t>"In today's fast-paced  world, it can be easy to lose sight of the individuals who have made a significant impact on our society. Many people, especially younger generations, may not be aware of the contributions and achievements of important historical figures, and may therefore lack the inspiration and guidance that such figures can provide. This project aims to address this problem by creating a tribute page that celebrates the life and legacy of </a:t>
-            </a:r>
-            <a:r>
-              <a:rPr lang="en-US" b="1" dirty="0">
-                <a:latin typeface="Times New Roman" pitchFamily="18" charset="0"/>
-                <a:cs typeface="Times New Roman" pitchFamily="18" charset="0"/>
-              </a:rPr>
-              <a:t>Dr. APJ Abdul Kalam</a:t>
-            </a:r>
-            <a:r>
-              <a:rPr lang="en-US" dirty="0">
-                <a:latin typeface="Times New Roman" pitchFamily="18" charset="0"/>
-                <a:cs typeface="Times New Roman" pitchFamily="18" charset="0"/>
-              </a:rPr>
-              <a:t>, a remarkable scientist and politician whose vision and leadership continue to inspire people around the world."</a:t>
-            </a:r>
+              <a:rPr lang="en-IN" sz="1800" dirty="0">
+                <a:effectLst/>
+                <a:latin typeface="Times New Roman" panose="02020603050405020304" pitchFamily="18" charset="0"/>
+                <a:ea typeface="Times New Roman" panose="02020603050405020304" pitchFamily="18" charset="0"/>
+              </a:rPr>
+              <a:t>Despite the remarkable contributions and achievements of influential individuals throughout history, their stories and legacies often fade away over time. There is a lack of accessible and comprehensive platforms that celebrate and </a:t>
+            </a:r>
+            <a:r>
+              <a:rPr lang="en-IN" sz="1800" dirty="0" err="1">
+                <a:effectLst/>
+                <a:latin typeface="Times New Roman" panose="02020603050405020304" pitchFamily="18" charset="0"/>
+                <a:ea typeface="Times New Roman" panose="02020603050405020304" pitchFamily="18" charset="0"/>
+              </a:rPr>
+              <a:t>honor</a:t>
+            </a:r>
+            <a:r>
+              <a:rPr lang="en-IN" sz="1800" dirty="0">
+                <a:effectLst/>
+                <a:latin typeface="Times New Roman" panose="02020603050405020304" pitchFamily="18" charset="0"/>
+                <a:ea typeface="Times New Roman" panose="02020603050405020304" pitchFamily="18" charset="0"/>
+              </a:rPr>
+              <a:t> these legends, making it challenging for individuals to learn about their remarkable lives and accomplishments. Additionally, the existing platforms may not provide an engaging and visually appealing user experience, which can deter users from exploring and connecting with the stories of these extraordinary individuals. Therefore, there is a need for a web-based platform that effectively showcases the lives, achievements, and impact of influential figures, providing a captivating and informative experience for users to learn, appreciate, and be inspired by their contributions.</a:t>
+            </a:r>
+            <a:endParaRPr lang="en-US" sz="1800">
+              <a:effectLst/>
+              <a:latin typeface="Times New Roman" panose="02020603050405020304" pitchFamily="18" charset="0"/>
+              <a:ea typeface="Times New Roman" panose="02020603050405020304" pitchFamily="18" charset="0"/>
+            </a:endParaRPr>
+          </a:p>
+          <a:p>
+            <a:endParaRPr lang="en-US" dirty="0">
+              <a:latin typeface="Times New Roman" pitchFamily="18" charset="0"/>
+              <a:cs typeface="Times New Roman" pitchFamily="18" charset="0"/>
+            </a:endParaRPr>
           </a:p>
         </p:txBody>
       </p:sp>
